--- a/Präsentationen/StatusupdateKW23/UpdateKW23.pptx
+++ b/Präsentationen/StatusupdateKW23/UpdateKW23.pptx
@@ -5,14 +5,16 @@
     <p:sldMasterId id="2147483779" r:id="rId6"/>
   </p:sldMasterIdLst>
   <p:notesMasterIdLst>
-    <p:notesMasterId r:id="rId12"/>
+    <p:notesMasterId r:id="rId14"/>
   </p:notesMasterIdLst>
   <p:sldIdLst>
     <p:sldId id="275" r:id="rId7"/>
-    <p:sldId id="289" r:id="rId8"/>
-    <p:sldId id="314" r:id="rId9"/>
-    <p:sldId id="316" r:id="rId10"/>
-    <p:sldId id="315" r:id="rId11"/>
+    <p:sldId id="314" r:id="rId8"/>
+    <p:sldId id="317" r:id="rId9"/>
+    <p:sldId id="318" r:id="rId10"/>
+    <p:sldId id="319" r:id="rId11"/>
+    <p:sldId id="315" r:id="rId12"/>
+    <p:sldId id="316" r:id="rId13"/>
   </p:sldIdLst>
   <p:sldSz cx="12192000" cy="6858000"/>
   <p:notesSz cx="6794500" cy="9931400"/>
@@ -151,10 +153,12 @@
         </p14:section>
         <p14:section name="Inhalt" id="{9143C095-ADCB-48C6-BBF9-4399ACA44AAA}">
           <p14:sldIdLst>
-            <p14:sldId id="289"/>
             <p14:sldId id="314"/>
+            <p14:sldId id="317"/>
+            <p14:sldId id="318"/>
+            <p14:sldId id="319"/>
+            <p14:sldId id="315"/>
             <p14:sldId id="316"/>
-            <p14:sldId id="315"/>
           </p14:sldIdLst>
         </p14:section>
       </p14:sectionLst>
@@ -284,7 +288,7 @@
           <a:p>
             <a:fld id="{B2255D82-92B1-4EBA-AF01-9D30101EF318}" type="datetimeFigureOut">
               <a:rPr lang="de-DE" smtClean="0"/>
-              <a:t>28.05.20</a:t>
+              <a:t>08.06.20</a:t>
             </a:fld>
             <a:endParaRPr lang="de-DE"/>
           </a:p>
@@ -3757,7 +3761,7 @@
           <a:graphicData uri="http://schemas.openxmlformats.org/presentationml/2006/ole">
             <mc:AlternateContent xmlns:mc="http://schemas.openxmlformats.org/markup-compatibility/2006">
               <mc:Choice xmlns:v="urn:schemas-microsoft-com:vml" Requires="v">
-                <p:oleObj spid="_x0000_s11330" name="think-cell Folie" r:id="rId4" imgW="270" imgH="270" progId="TCLayout.ActiveDocument.1">
+                <p:oleObj spid="_x0000_s11332" name="think-cell Folie" r:id="rId4" imgW="270" imgH="270" progId="TCLayout.ActiveDocument.1">
                   <p:embed/>
                 </p:oleObj>
               </mc:Choice>
@@ -6485,7 +6489,7 @@
           <a:graphicData uri="http://schemas.openxmlformats.org/presentationml/2006/ole">
             <mc:AlternateContent xmlns:mc="http://schemas.openxmlformats.org/markup-compatibility/2006">
               <mc:Choice xmlns:v="urn:schemas-microsoft-com:vml" Requires="v">
-                <p:oleObj spid="_x0000_s12354" name="think-cell Folie" r:id="rId4" imgW="270" imgH="270" progId="TCLayout.ActiveDocument.1">
+                <p:oleObj spid="_x0000_s12356" name="think-cell Folie" r:id="rId4" imgW="270" imgH="270" progId="TCLayout.ActiveDocument.1">
                   <p:embed/>
                 </p:oleObj>
               </mc:Choice>
@@ -8388,7 +8392,7 @@
                 <a:latin typeface="Segoe UI" panose="020B0502040204020203" pitchFamily="34" charset="0"/>
                 <a:cs typeface="Segoe UI" panose="020B0502040204020203" pitchFamily="34" charset="0"/>
               </a:rPr>
-              <a:t>Statusupdate KW22</a:t>
+              <a:t>Statusupdate KW23</a:t>
             </a:r>
           </a:p>
         </p:txBody>
@@ -8837,10 +8841,10 @@
       </p:grpSpPr>
       <p:pic>
         <p:nvPicPr>
-          <p:cNvPr id="5" name="Inhaltsplatzhalter 4" descr="Ein Bild, das Person, Gebäude, draußen, Mann enthält.&#10;&#10;Automatisch generierte Beschreibung">
+          <p:cNvPr id="5" name="Inhaltsplatzhalter 4" descr="Ein Bild, das Karte, Text enthält.&#10;&#10;Automatisch generierte Beschreibung">
             <a:extLst>
               <a:ext uri="{FF2B5EF4-FFF2-40B4-BE49-F238E27FC236}">
-                <a16:creationId xmlns:a16="http://schemas.microsoft.com/office/drawing/2014/main" id="{41F0125B-FB27-4F80-A94B-919EC4563566}"/>
+                <a16:creationId xmlns:a16="http://schemas.microsoft.com/office/drawing/2014/main" id="{F3FEF6C0-25C5-E040-9192-E46DFCF305C4}"/>
               </a:ext>
             </a:extLst>
           </p:cNvPr>
@@ -8865,8 +8869,8 @@
         </p:blipFill>
         <p:spPr>
           <a:xfrm>
-            <a:off x="5939484" y="938320"/>
-            <a:ext cx="5599469" cy="5473700"/>
+            <a:off x="1938591" y="1067319"/>
+            <a:ext cx="8314818" cy="4723362"/>
           </a:xfrm>
         </p:spPr>
       </p:pic>
@@ -8880,16 +8884,24 @@
             <p:ph type="title"/>
           </p:nvPr>
         </p:nvSpPr>
-        <p:spPr/>
+        <p:spPr>
+          <a:xfrm>
+            <a:off x="360000" y="286430"/>
+            <a:ext cx="9127667" cy="428625"/>
+          </a:xfrm>
+        </p:spPr>
         <p:txBody>
           <a:bodyPr/>
           <a:lstStyle/>
           <a:p>
             <a:r>
-              <a:rPr lang="de-DE"/>
-              <a:t>Personenerkennung</a:t>
-            </a:r>
-            <a:endParaRPr lang="de-DE" dirty="0"/>
+              <a:rPr lang="de-DE" dirty="0" err="1"/>
+              <a:t>Umfeldmodell</a:t>
+            </a:r>
+            <a:r>
+              <a:rPr lang="de-DE" dirty="0"/>
+              <a:t> Alfons</a:t>
+            </a:r>
           </a:p>
         </p:txBody>
       </p:sp>
@@ -8962,449 +8974,10 @@
           </a:p>
         </p:txBody>
       </p:sp>
-      <p:sp>
-        <p:nvSpPr>
-          <p:cNvPr id="8" name="Rechteck 7">
-            <a:extLst>
-              <a:ext uri="{FF2B5EF4-FFF2-40B4-BE49-F238E27FC236}">
-                <a16:creationId xmlns:a16="http://schemas.microsoft.com/office/drawing/2014/main" id="{00E41AC7-8E05-4F3D-B90D-C2B506A33532}"/>
-              </a:ext>
-            </a:extLst>
-          </p:cNvPr>
-          <p:cNvSpPr/>
-          <p:nvPr/>
-        </p:nvSpPr>
-        <p:spPr>
-          <a:xfrm>
-            <a:off x="6993590" y="1129120"/>
-            <a:ext cx="1589906" cy="5282900"/>
-          </a:xfrm>
-          <a:prstGeom prst="rect">
-            <a:avLst/>
-          </a:prstGeom>
-          <a:noFill/>
-          <a:ln w="57150">
-            <a:solidFill>
-              <a:schemeClr val="accent5">
-                <a:lumMod val="60000"/>
-                <a:lumOff val="40000"/>
-              </a:schemeClr>
-            </a:solidFill>
-          </a:ln>
-        </p:spPr>
-        <p:style>
-          <a:lnRef idx="2">
-            <a:schemeClr val="accent1">
-              <a:shade val="50000"/>
-            </a:schemeClr>
-          </a:lnRef>
-          <a:fillRef idx="1">
-            <a:schemeClr val="accent1"/>
-          </a:fillRef>
-          <a:effectRef idx="0">
-            <a:schemeClr val="accent1"/>
-          </a:effectRef>
-          <a:fontRef idx="minor">
-            <a:schemeClr val="lt1"/>
-          </a:fontRef>
-        </p:style>
-        <p:txBody>
-          <a:bodyPr rtlCol="0" anchor="ctr"/>
-          <a:lstStyle/>
-          <a:p>
-            <a:pPr algn="ctr"/>
-            <a:endParaRPr lang="de-DE"/>
-          </a:p>
-        </p:txBody>
-      </p:sp>
-      <p:sp>
-        <p:nvSpPr>
-          <p:cNvPr id="10" name="Rechteck 9">
-            <a:extLst>
-              <a:ext uri="{FF2B5EF4-FFF2-40B4-BE49-F238E27FC236}">
-                <a16:creationId xmlns:a16="http://schemas.microsoft.com/office/drawing/2014/main" id="{A1CD9145-EED6-4021-BD1D-E5A6453162DC}"/>
-              </a:ext>
-            </a:extLst>
-          </p:cNvPr>
-          <p:cNvSpPr/>
-          <p:nvPr/>
-        </p:nvSpPr>
-        <p:spPr>
-          <a:xfrm>
-            <a:off x="8896530" y="1048007"/>
-            <a:ext cx="1729947" cy="5282900"/>
-          </a:xfrm>
-          <a:prstGeom prst="rect">
-            <a:avLst/>
-          </a:prstGeom>
-          <a:noFill/>
-          <a:ln w="57150">
-            <a:solidFill>
-              <a:schemeClr val="accent5">
-                <a:lumMod val="60000"/>
-                <a:lumOff val="40000"/>
-              </a:schemeClr>
-            </a:solidFill>
-          </a:ln>
-        </p:spPr>
-        <p:style>
-          <a:lnRef idx="2">
-            <a:schemeClr val="accent1">
-              <a:shade val="50000"/>
-            </a:schemeClr>
-          </a:lnRef>
-          <a:fillRef idx="1">
-            <a:schemeClr val="accent1"/>
-          </a:fillRef>
-          <a:effectRef idx="0">
-            <a:schemeClr val="accent1"/>
-          </a:effectRef>
-          <a:fontRef idx="minor">
-            <a:schemeClr val="lt1"/>
-          </a:fontRef>
-        </p:style>
-        <p:txBody>
-          <a:bodyPr rtlCol="0" anchor="ctr"/>
-          <a:lstStyle/>
-          <a:p>
-            <a:pPr algn="ctr"/>
-            <a:endParaRPr lang="de-DE"/>
-          </a:p>
-        </p:txBody>
-      </p:sp>
-      <p:sp>
-        <p:nvSpPr>
-          <p:cNvPr id="11" name="Rechteck 10">
-            <a:extLst>
-              <a:ext uri="{FF2B5EF4-FFF2-40B4-BE49-F238E27FC236}">
-                <a16:creationId xmlns:a16="http://schemas.microsoft.com/office/drawing/2014/main" id="{8563A84D-5AA7-4D6E-B24E-C07268E6C81F}"/>
-              </a:ext>
-            </a:extLst>
-          </p:cNvPr>
-          <p:cNvSpPr/>
-          <p:nvPr/>
-        </p:nvSpPr>
-        <p:spPr>
-          <a:xfrm>
-            <a:off x="7191298" y="1281520"/>
-            <a:ext cx="1186249" cy="1046205"/>
-          </a:xfrm>
-          <a:prstGeom prst="rect">
-            <a:avLst/>
-          </a:prstGeom>
-          <a:noFill/>
-          <a:ln w="57150">
-            <a:solidFill>
-              <a:srgbClr val="FF0000"/>
-            </a:solidFill>
-          </a:ln>
-        </p:spPr>
-        <p:style>
-          <a:lnRef idx="2">
-            <a:schemeClr val="accent1">
-              <a:shade val="50000"/>
-            </a:schemeClr>
-          </a:lnRef>
-          <a:fillRef idx="1">
-            <a:schemeClr val="accent1"/>
-          </a:fillRef>
-          <a:effectRef idx="0">
-            <a:schemeClr val="accent1"/>
-          </a:effectRef>
-          <a:fontRef idx="minor">
-            <a:schemeClr val="lt1"/>
-          </a:fontRef>
-        </p:style>
-        <p:txBody>
-          <a:bodyPr rtlCol="0" anchor="ctr"/>
-          <a:lstStyle/>
-          <a:p>
-            <a:pPr algn="ctr"/>
-            <a:endParaRPr lang="de-DE"/>
-          </a:p>
-        </p:txBody>
-      </p:sp>
-      <p:sp>
-        <p:nvSpPr>
-          <p:cNvPr id="12" name="Rechteck 11">
-            <a:extLst>
-              <a:ext uri="{FF2B5EF4-FFF2-40B4-BE49-F238E27FC236}">
-                <a16:creationId xmlns:a16="http://schemas.microsoft.com/office/drawing/2014/main" id="{EBAB331B-06C4-44A8-B7EF-D1D68511FD75}"/>
-              </a:ext>
-            </a:extLst>
-          </p:cNvPr>
-          <p:cNvSpPr/>
-          <p:nvPr/>
-        </p:nvSpPr>
-        <p:spPr>
-          <a:xfrm>
-            <a:off x="9124168" y="1281520"/>
-            <a:ext cx="1305698" cy="980303"/>
-          </a:xfrm>
-          <a:prstGeom prst="rect">
-            <a:avLst/>
-          </a:prstGeom>
-          <a:noFill/>
-          <a:ln w="57150">
-            <a:solidFill>
-              <a:srgbClr val="FF0000"/>
-            </a:solidFill>
-          </a:ln>
-        </p:spPr>
-        <p:style>
-          <a:lnRef idx="2">
-            <a:schemeClr val="accent1">
-              <a:shade val="50000"/>
-            </a:schemeClr>
-          </a:lnRef>
-          <a:fillRef idx="1">
-            <a:schemeClr val="accent1"/>
-          </a:fillRef>
-          <a:effectRef idx="0">
-            <a:schemeClr val="accent1"/>
-          </a:effectRef>
-          <a:fontRef idx="minor">
-            <a:schemeClr val="lt1"/>
-          </a:fontRef>
-        </p:style>
-        <p:txBody>
-          <a:bodyPr rtlCol="0" anchor="ctr"/>
-          <a:lstStyle/>
-          <a:p>
-            <a:pPr algn="ctr"/>
-            <a:endParaRPr lang="de-DE"/>
-          </a:p>
-        </p:txBody>
-      </p:sp>
-      <p:sp>
-        <p:nvSpPr>
-          <p:cNvPr id="13" name="Textfeld 12">
-            <a:extLst>
-              <a:ext uri="{FF2B5EF4-FFF2-40B4-BE49-F238E27FC236}">
-                <a16:creationId xmlns:a16="http://schemas.microsoft.com/office/drawing/2014/main" id="{F03275DE-A909-410B-87E0-39E1A7F8F79F}"/>
-              </a:ext>
-            </a:extLst>
-          </p:cNvPr>
-          <p:cNvSpPr txBox="1"/>
-          <p:nvPr/>
-        </p:nvSpPr>
-        <p:spPr>
-          <a:xfrm>
-            <a:off x="360000" y="912812"/>
-            <a:ext cx="5266450" cy="5355312"/>
-          </a:xfrm>
-          <a:prstGeom prst="rect">
-            <a:avLst/>
-          </a:prstGeom>
-          <a:noFill/>
-        </p:spPr>
-        <p:txBody>
-          <a:bodyPr wrap="square" rtlCol="0">
-            <a:spAutoFit/>
-          </a:bodyPr>
-          <a:lstStyle/>
-          <a:p>
-            <a:pPr marL="228600" indent="-228600">
-              <a:buFont typeface="+mj-lt"/>
-              <a:buAutoNum type="arabicPeriod"/>
-            </a:pPr>
-            <a:r>
-              <a:rPr lang="de-DE" sz="1800" dirty="0" err="1"/>
-              <a:t>Bboxen</a:t>
-            </a:r>
-            <a:r>
-              <a:rPr lang="de-DE" sz="1800" dirty="0"/>
-              <a:t> der Personen werden erstellt.</a:t>
-            </a:r>
-          </a:p>
-          <a:p>
-            <a:pPr marL="228600" indent="-228600">
-              <a:buFont typeface="+mj-lt"/>
-              <a:buAutoNum type="arabicPeriod"/>
-            </a:pPr>
-            <a:r>
-              <a:rPr lang="de-DE" sz="1800" dirty="0"/>
-              <a:t>Da HOG nicht ausschließlich Personen erkennt wird eine kleine ROI oben in der jeweiligen </a:t>
-            </a:r>
-            <a:r>
-              <a:rPr lang="de-DE" sz="1800" dirty="0" err="1"/>
-              <a:t>Bbox</a:t>
-            </a:r>
-            <a:r>
-              <a:rPr lang="de-DE" sz="1800" dirty="0"/>
-              <a:t> erstellt für die Erfassung des Gesichts.</a:t>
-            </a:r>
-          </a:p>
-          <a:p>
-            <a:pPr marL="228600" indent="-228600">
-              <a:buFont typeface="+mj-lt"/>
-              <a:buAutoNum type="arabicPeriod"/>
-            </a:pPr>
-            <a:r>
-              <a:rPr lang="de-DE" sz="1800" dirty="0"/>
-              <a:t>Sobald ein Gesicht erkannt wurde wird ein Objekt vom Typ Person erstellt.</a:t>
-            </a:r>
-          </a:p>
-          <a:p>
-            <a:pPr marL="228600" indent="-228600">
-              <a:buFont typeface="+mj-lt"/>
-              <a:buAutoNum type="arabicPeriod"/>
-            </a:pPr>
-            <a:r>
-              <a:rPr lang="de-DE" sz="1800" dirty="0"/>
-              <a:t>Anhand abgespeicherter (während Laufzeit oder vorher) Gesichter wird geprüft, ob es diese Person schon gibt.</a:t>
-            </a:r>
-          </a:p>
-          <a:p>
-            <a:pPr marL="228600" indent="-228600">
-              <a:buFont typeface="+mj-lt"/>
-              <a:buAutoNum type="arabicPeriod"/>
-            </a:pPr>
-            <a:r>
-              <a:rPr lang="de-DE" sz="1800" dirty="0"/>
-              <a:t>Wenn nicht, wird eine neue Person erstellt.</a:t>
-            </a:r>
-          </a:p>
-          <a:p>
-            <a:pPr marL="228600" indent="-228600">
-              <a:buFont typeface="+mj-lt"/>
-              <a:buAutoNum type="arabicPeriod"/>
-            </a:pPr>
-            <a:r>
-              <a:rPr lang="de-DE" sz="1800" dirty="0"/>
-              <a:t>Wenn ja, werden die Attribute der jeweiligen Person aktualisiert.</a:t>
-            </a:r>
-          </a:p>
-          <a:p>
-            <a:pPr marL="228600" indent="-228600">
-              <a:buFont typeface="+mj-lt"/>
-              <a:buAutoNum type="arabicPeriod"/>
-            </a:pPr>
-            <a:r>
-              <a:rPr lang="de-DE" sz="1800" dirty="0"/>
-              <a:t>Der Standort der letzten Person wird veröffentlicht.</a:t>
-            </a:r>
-          </a:p>
-          <a:p>
-            <a:pPr marL="228600" indent="-228600">
-              <a:buFont typeface="+mj-lt"/>
-              <a:buAutoNum type="arabicPeriod"/>
-            </a:pPr>
-            <a:endParaRPr lang="de-DE" sz="1800" dirty="0"/>
-          </a:p>
-          <a:p>
-            <a:r>
-              <a:rPr lang="de-DE" sz="1800" dirty="0"/>
-              <a:t>Ein Objekt vom Typ Person hat z.Z. folgende Attribute: </a:t>
-            </a:r>
-            <a:r>
-              <a:rPr lang="de-DE" sz="1800" dirty="0" err="1"/>
-              <a:t>BboxKörper</a:t>
-            </a:r>
-            <a:r>
-              <a:rPr lang="de-DE" sz="1800" dirty="0"/>
-              <a:t>, </a:t>
-            </a:r>
-            <a:r>
-              <a:rPr lang="de-DE" sz="1800" dirty="0" err="1"/>
-              <a:t>Bboxgesicht</a:t>
-            </a:r>
-            <a:r>
-              <a:rPr lang="de-DE" sz="1800" dirty="0"/>
-              <a:t>, Gesicht, Kameraname, Distanz, Liste mit Pixelkoordinaten, Liste mit lokalen Koordinaten</a:t>
-            </a:r>
-          </a:p>
-        </p:txBody>
-      </p:sp>
-      <p:cxnSp>
-        <p:nvCxnSpPr>
-          <p:cNvPr id="15" name="Gerade Verbindung mit Pfeil 14">
-            <a:extLst>
-              <a:ext uri="{FF2B5EF4-FFF2-40B4-BE49-F238E27FC236}">
-                <a16:creationId xmlns:a16="http://schemas.microsoft.com/office/drawing/2014/main" id="{53818407-1896-4E23-B49D-20F024E5C565}"/>
-              </a:ext>
-            </a:extLst>
-          </p:cNvPr>
-          <p:cNvCxnSpPr>
-            <a:cxnSpLocks/>
-          </p:cNvCxnSpPr>
-          <p:nvPr/>
-        </p:nvCxnSpPr>
-        <p:spPr>
-          <a:xfrm>
-            <a:off x="4769708" y="1129120"/>
-            <a:ext cx="2215641" cy="347512"/>
-          </a:xfrm>
-          <a:prstGeom prst="straightConnector1">
-            <a:avLst/>
-          </a:prstGeom>
-          <a:ln w="57150">
-            <a:solidFill>
-              <a:schemeClr val="accent1"/>
-            </a:solidFill>
-            <a:tailEnd type="triangle"/>
-          </a:ln>
-        </p:spPr>
-        <p:style>
-          <a:lnRef idx="1">
-            <a:schemeClr val="accent1"/>
-          </a:lnRef>
-          <a:fillRef idx="0">
-            <a:schemeClr val="accent1"/>
-          </a:fillRef>
-          <a:effectRef idx="0">
-            <a:schemeClr val="accent1"/>
-          </a:effectRef>
-          <a:fontRef idx="minor">
-            <a:schemeClr val="tx1"/>
-          </a:fontRef>
-        </p:style>
-      </p:cxnSp>
-      <p:cxnSp>
-        <p:nvCxnSpPr>
-          <p:cNvPr id="21" name="Gerade Verbindung mit Pfeil 20">
-            <a:extLst>
-              <a:ext uri="{FF2B5EF4-FFF2-40B4-BE49-F238E27FC236}">
-                <a16:creationId xmlns:a16="http://schemas.microsoft.com/office/drawing/2014/main" id="{1457408D-683F-492E-A624-DADD1BE2A53B}"/>
-              </a:ext>
-            </a:extLst>
-          </p:cNvPr>
-          <p:cNvCxnSpPr>
-            <a:cxnSpLocks/>
-          </p:cNvCxnSpPr>
-          <p:nvPr/>
-        </p:nvCxnSpPr>
-        <p:spPr>
-          <a:xfrm>
-            <a:off x="5198411" y="1919952"/>
-            <a:ext cx="1992887" cy="53548"/>
-          </a:xfrm>
-          <a:prstGeom prst="straightConnector1">
-            <a:avLst/>
-          </a:prstGeom>
-          <a:ln w="57150">
-            <a:tailEnd type="triangle"/>
-          </a:ln>
-        </p:spPr>
-        <p:style>
-          <a:lnRef idx="1">
-            <a:schemeClr val="accent1"/>
-          </a:lnRef>
-          <a:fillRef idx="0">
-            <a:schemeClr val="accent1"/>
-          </a:fillRef>
-          <a:effectRef idx="0">
-            <a:schemeClr val="accent1"/>
-          </a:effectRef>
-          <a:fontRef idx="minor">
-            <a:schemeClr val="tx1"/>
-          </a:fontRef>
-        </p:style>
-      </p:cxnSp>
     </p:spTree>
     <p:extLst>
       <p:ext uri="{BB962C8B-B14F-4D97-AF65-F5344CB8AC3E}">
-        <p14:creationId xmlns:p14="http://schemas.microsoft.com/office/powerpoint/2010/main" val="1298572338"/>
+        <p14:creationId xmlns:p14="http://schemas.microsoft.com/office/powerpoint/2010/main" val="2265075307"/>
       </p:ext>
     </p:extLst>
   </p:cSld>
@@ -9433,18 +9006,18 @@
       </p:grpSpPr>
       <p:sp>
         <p:nvSpPr>
-          <p:cNvPr id="4" name="Inhaltsplatzhalter 3"/>
-          <p:cNvSpPr>
-            <a:spLocks noGrp="1"/>
-          </p:cNvSpPr>
-          <p:nvPr>
-            <p:ph sz="quarter" idx="13"/>
+          <p:cNvPr id="2" name="Titel 1"/>
+          <p:cNvSpPr>
+            <a:spLocks noGrp="1"/>
+          </p:cNvSpPr>
+          <p:nvPr>
+            <p:ph type="title"/>
           </p:nvPr>
         </p:nvSpPr>
         <p:spPr>
           <a:xfrm>
-            <a:off x="360000" y="884238"/>
-            <a:ext cx="11469600" cy="5473019"/>
+            <a:off x="360000" y="286430"/>
+            <a:ext cx="9127667" cy="428625"/>
           </a:xfrm>
         </p:spPr>
         <p:txBody>
@@ -9452,46 +9025,8 @@
           <a:lstStyle/>
           <a:p>
             <a:r>
-              <a:rPr lang="de-DE" dirty="0" err="1"/>
-              <a:t>Deepspeech</a:t>
-            </a:r>
-            <a:r>
               <a:rPr lang="de-DE" dirty="0"/>
-              <a:t>-Package in Python</a:t>
-            </a:r>
-          </a:p>
-          <a:p>
-            <a:endParaRPr lang="de-DE" dirty="0"/>
-          </a:p>
-          <a:p>
-            <a:r>
-              <a:rPr lang="de-DE" dirty="0"/>
-              <a:t>Transkription auf Englisch</a:t>
-            </a:r>
-          </a:p>
-          <a:p>
-            <a:endParaRPr lang="de-DE" dirty="0"/>
-          </a:p>
-        </p:txBody>
-      </p:sp>
-      <p:sp>
-        <p:nvSpPr>
-          <p:cNvPr id="2" name="Titel 1"/>
-          <p:cNvSpPr>
-            <a:spLocks noGrp="1"/>
-          </p:cNvSpPr>
-          <p:nvPr>
-            <p:ph type="title"/>
-          </p:nvPr>
-        </p:nvSpPr>
-        <p:spPr/>
-        <p:txBody>
-          <a:bodyPr/>
-          <a:lstStyle/>
-          <a:p>
-            <a:r>
-              <a:rPr lang="de-DE" dirty="0"/>
-              <a:t>Spracherkennung</a:t>
+              <a:t>Wirkstruktur Alfons</a:t>
             </a:r>
           </a:p>
         </p:txBody>
@@ -9565,307 +9100,45 @@
           </a:p>
         </p:txBody>
       </p:sp>
-      <p:grpSp>
-        <p:nvGrpSpPr>
-          <p:cNvPr id="8" name="Gruppieren 7">
+      <p:pic>
+        <p:nvPicPr>
+          <p:cNvPr id="14" name="Inhaltsplatzhalter 13" descr="Ein Bild, das Karte, Tisch, Laptop, Computer enthält.&#10;&#10;Automatisch generierte Beschreibung">
             <a:extLst>
               <a:ext uri="{FF2B5EF4-FFF2-40B4-BE49-F238E27FC236}">
-                <a16:creationId xmlns:a16="http://schemas.microsoft.com/office/drawing/2014/main" id="{146F888C-31A4-064A-88BE-671A5267BDB9}"/>
+                <a16:creationId xmlns:a16="http://schemas.microsoft.com/office/drawing/2014/main" id="{064D7E3C-1F9D-4340-8F34-0AD0D42B4CE8}"/>
               </a:ext>
             </a:extLst>
           </p:cNvPr>
-          <p:cNvGrpSpPr/>
-          <p:nvPr/>
-        </p:nvGrpSpPr>
-        <p:grpSpPr>
-          <a:xfrm>
-            <a:off x="670410" y="2802834"/>
-            <a:ext cx="10851180" cy="2263861"/>
-            <a:chOff x="1140597" y="2297069"/>
-            <a:chExt cx="10851180" cy="2263861"/>
-          </a:xfrm>
-        </p:grpSpPr>
-        <p:pic>
-          <p:nvPicPr>
-            <p:cNvPr id="10" name="Grafik 9" descr="Ein Bild, das Säugetier, Tier, braun, sitzend enthält.&#10;&#10;Automatisch generierte Beschreibung">
-              <a:extLst>
-                <a:ext uri="{FF2B5EF4-FFF2-40B4-BE49-F238E27FC236}">
-                  <a16:creationId xmlns:a16="http://schemas.microsoft.com/office/drawing/2014/main" id="{66162B75-DD9C-3840-B493-322D0F76C677}"/>
-                </a:ext>
-              </a:extLst>
-            </p:cNvPr>
-            <p:cNvPicPr>
-              <a:picLocks noChangeAspect="1"/>
-            </p:cNvPicPr>
-            <p:nvPr/>
-          </p:nvPicPr>
-          <p:blipFill>
-            <a:blip r:embed="rId2"/>
-            <a:stretch>
-              <a:fillRect/>
-            </a:stretch>
-          </p:blipFill>
-          <p:spPr>
-            <a:xfrm>
-              <a:off x="1140597" y="2297069"/>
-              <a:ext cx="2136458" cy="2263861"/>
-            </a:xfrm>
-            <a:prstGeom prst="rect">
-              <a:avLst/>
-            </a:prstGeom>
-          </p:spPr>
-        </p:pic>
-        <p:pic>
-          <p:nvPicPr>
-            <p:cNvPr id="11" name="Grafik 10" descr="Ein Bild, das Elektronik, Schaltkreis enthält.&#10;&#10;Automatisch generierte Beschreibung">
-              <a:extLst>
-                <a:ext uri="{FF2B5EF4-FFF2-40B4-BE49-F238E27FC236}">
-                  <a16:creationId xmlns:a16="http://schemas.microsoft.com/office/drawing/2014/main" id="{41E51A73-535C-AF4B-AAEB-C08F3EF6DB6F}"/>
-                </a:ext>
-              </a:extLst>
-            </p:cNvPr>
-            <p:cNvPicPr>
-              <a:picLocks noChangeAspect="1"/>
-            </p:cNvPicPr>
-            <p:nvPr/>
-          </p:nvPicPr>
-          <p:blipFill>
-            <a:blip r:embed="rId3"/>
-            <a:stretch>
-              <a:fillRect/>
-            </a:stretch>
-          </p:blipFill>
-          <p:spPr>
-            <a:xfrm>
-              <a:off x="6979155" y="2630045"/>
-              <a:ext cx="2681050" cy="1597906"/>
-            </a:xfrm>
-            <a:prstGeom prst="rect">
-              <a:avLst/>
-            </a:prstGeom>
-          </p:spPr>
-        </p:pic>
-        <p:cxnSp>
-          <p:nvCxnSpPr>
-            <p:cNvPr id="12" name="Gerade Verbindung mit Pfeil 11">
-              <a:extLst>
-                <a:ext uri="{FF2B5EF4-FFF2-40B4-BE49-F238E27FC236}">
-                  <a16:creationId xmlns:a16="http://schemas.microsoft.com/office/drawing/2014/main" id="{ACC08116-F0C6-364E-B5F3-D969ABAEEADE}"/>
-                </a:ext>
-              </a:extLst>
-            </p:cNvPr>
-            <p:cNvCxnSpPr/>
-            <p:nvPr/>
-          </p:nvCxnSpPr>
-          <p:spPr>
-            <a:xfrm>
-              <a:off x="3496962" y="2681416"/>
-              <a:ext cx="3496962" cy="0"/>
-            </a:xfrm>
-            <a:prstGeom prst="straightConnector1">
-              <a:avLst/>
-            </a:prstGeom>
-            <a:ln w="38100">
-              <a:tailEnd type="triangle"/>
-            </a:ln>
-          </p:spPr>
-          <p:style>
-            <a:lnRef idx="1">
-              <a:schemeClr val="accent1"/>
-            </a:lnRef>
-            <a:fillRef idx="0">
-              <a:schemeClr val="accent1"/>
-            </a:fillRef>
-            <a:effectRef idx="0">
-              <a:schemeClr val="accent1"/>
-            </a:effectRef>
-            <a:fontRef idx="minor">
-              <a:schemeClr val="tx1"/>
-            </a:fontRef>
-          </p:style>
-        </p:cxnSp>
-        <p:sp>
-          <p:nvSpPr>
-            <p:cNvPr id="13" name="Textfeld 12">
-              <a:extLst>
-                <a:ext uri="{FF2B5EF4-FFF2-40B4-BE49-F238E27FC236}">
-                  <a16:creationId xmlns:a16="http://schemas.microsoft.com/office/drawing/2014/main" id="{568EE96F-7D5F-0143-9A76-AA5DA80002EF}"/>
-                </a:ext>
-              </a:extLst>
-            </p:cNvPr>
-            <p:cNvSpPr txBox="1"/>
-            <p:nvPr/>
-          </p:nvSpPr>
-          <p:spPr>
-            <a:xfrm>
-              <a:off x="3472169" y="2400760"/>
-              <a:ext cx="4804264" cy="369332"/>
-            </a:xfrm>
-            <a:prstGeom prst="rect">
-              <a:avLst/>
-            </a:prstGeom>
-            <a:noFill/>
-          </p:spPr>
-          <p:txBody>
-            <a:bodyPr wrap="none" rtlCol="0">
-              <a:spAutoFit/>
-            </a:bodyPr>
-            <a:lstStyle/>
-            <a:p>
-              <a:r>
-                <a:rPr lang="de-DE" dirty="0"/>
-                <a:t>ROS-Message-Int16MultiArray (Sprachaufnahme)</a:t>
-              </a:r>
-            </a:p>
-          </p:txBody>
-        </p:sp>
-        <p:cxnSp>
-          <p:nvCxnSpPr>
-            <p:cNvPr id="14" name="Gerade Verbindung mit Pfeil 13">
-              <a:extLst>
-                <a:ext uri="{FF2B5EF4-FFF2-40B4-BE49-F238E27FC236}">
-                  <a16:creationId xmlns:a16="http://schemas.microsoft.com/office/drawing/2014/main" id="{B3410C61-C61B-2947-953F-0251CF2F4421}"/>
-                </a:ext>
-              </a:extLst>
-            </p:cNvPr>
-            <p:cNvCxnSpPr>
-              <a:cxnSpLocks/>
-            </p:cNvCxnSpPr>
-            <p:nvPr/>
-          </p:nvCxnSpPr>
-          <p:spPr>
-            <a:xfrm flipH="1">
-              <a:off x="3597202" y="4279259"/>
-              <a:ext cx="3396722" cy="1"/>
-            </a:xfrm>
-            <a:prstGeom prst="straightConnector1">
-              <a:avLst/>
-            </a:prstGeom>
-            <a:ln w="38100">
-              <a:tailEnd type="triangle"/>
-            </a:ln>
-          </p:spPr>
-          <p:style>
-            <a:lnRef idx="1">
-              <a:schemeClr val="accent1"/>
-            </a:lnRef>
-            <a:fillRef idx="0">
-              <a:schemeClr val="accent1"/>
-            </a:fillRef>
-            <a:effectRef idx="0">
-              <a:schemeClr val="accent1"/>
-            </a:effectRef>
-            <a:fontRef idx="minor">
-              <a:schemeClr val="tx1"/>
-            </a:fontRef>
-          </p:style>
-        </p:cxnSp>
-        <p:sp>
-          <p:nvSpPr>
-            <p:cNvPr id="15" name="Textfeld 14">
-              <a:extLst>
-                <a:ext uri="{FF2B5EF4-FFF2-40B4-BE49-F238E27FC236}">
-                  <a16:creationId xmlns:a16="http://schemas.microsoft.com/office/drawing/2014/main" id="{3DB37E7A-9B19-A04B-9F88-D1A9EF395BD2}"/>
-                </a:ext>
-              </a:extLst>
-            </p:cNvPr>
-            <p:cNvSpPr txBox="1"/>
-            <p:nvPr/>
-          </p:nvSpPr>
-          <p:spPr>
-            <a:xfrm>
-              <a:off x="3779819" y="3972466"/>
-              <a:ext cx="3551357" cy="369332"/>
-            </a:xfrm>
-            <a:prstGeom prst="rect">
-              <a:avLst/>
-            </a:prstGeom>
-            <a:noFill/>
-          </p:spPr>
-          <p:txBody>
-            <a:bodyPr wrap="none" rtlCol="0">
-              <a:spAutoFit/>
-            </a:bodyPr>
-            <a:lstStyle/>
-            <a:p>
-              <a:r>
-                <a:rPr lang="de-DE" dirty="0"/>
-                <a:t>ROS-Message- String (Transkription)</a:t>
-              </a:r>
-            </a:p>
-          </p:txBody>
-        </p:sp>
-        <p:pic>
-          <p:nvPicPr>
-            <p:cNvPr id="16" name="Grafik 15" descr="Hinzufügen">
-              <a:extLst>
-                <a:ext uri="{FF2B5EF4-FFF2-40B4-BE49-F238E27FC236}">
-                  <a16:creationId xmlns:a16="http://schemas.microsoft.com/office/drawing/2014/main" id="{A251EA4B-5736-3543-BC46-4322F9A24CDA}"/>
-                </a:ext>
-              </a:extLst>
-            </p:cNvPr>
-            <p:cNvPicPr>
-              <a:picLocks noChangeAspect="1"/>
-            </p:cNvPicPr>
-            <p:nvPr/>
-          </p:nvPicPr>
-          <p:blipFill>
-            <a:blip r:embed="rId4">
-              <a:extLst>
-                <a:ext uri="{96DAC541-7B7A-43D3-8B79-37D633B846F1}">
-                  <asvg:svgBlip xmlns:asvg="http://schemas.microsoft.com/office/drawing/2016/SVG/main" r:embed="rId5"/>
-                </a:ext>
-              </a:extLst>
-            </a:blip>
-            <a:stretch>
-              <a:fillRect/>
-            </a:stretch>
-          </p:blipFill>
-          <p:spPr>
-            <a:xfrm>
-              <a:off x="9877594" y="3174005"/>
-              <a:ext cx="509987" cy="509987"/>
-            </a:xfrm>
-            <a:prstGeom prst="rect">
-              <a:avLst/>
-            </a:prstGeom>
-          </p:spPr>
-        </p:pic>
-        <p:pic>
-          <p:nvPicPr>
-            <p:cNvPr id="17" name="Grafik 16" descr="Ein Bild, das Uhr enthält.&#10;&#10;Automatisch generierte Beschreibung">
-              <a:extLst>
-                <a:ext uri="{FF2B5EF4-FFF2-40B4-BE49-F238E27FC236}">
-                  <a16:creationId xmlns:a16="http://schemas.microsoft.com/office/drawing/2014/main" id="{17129345-9E75-4E4C-9AA0-5418EB9F316E}"/>
-                </a:ext>
-              </a:extLst>
-            </p:cNvPr>
-            <p:cNvPicPr>
-              <a:picLocks noChangeAspect="1"/>
-            </p:cNvPicPr>
-            <p:nvPr/>
-          </p:nvPicPr>
-          <p:blipFill>
-            <a:blip r:embed="rId6"/>
-            <a:stretch>
-              <a:fillRect/>
-            </a:stretch>
-          </p:blipFill>
-          <p:spPr>
-            <a:xfrm>
-              <a:off x="10611644" y="2699509"/>
-              <a:ext cx="1380133" cy="1380133"/>
-            </a:xfrm>
-            <a:prstGeom prst="rect">
-              <a:avLst/>
-            </a:prstGeom>
-          </p:spPr>
-        </p:pic>
-      </p:grpSp>
+          <p:cNvPicPr>
+            <a:picLocks noGrp="1" noChangeAspect="1"/>
+          </p:cNvPicPr>
+          <p:nvPr>
+            <p:ph sz="quarter" idx="13"/>
+          </p:nvPr>
+        </p:nvPicPr>
+        <p:blipFill>
+          <a:blip r:embed="rId2">
+            <a:extLst>
+              <a:ext uri="{28A0092B-C50C-407E-A947-70E740481C1C}">
+                <a14:useLocalDpi xmlns:a14="http://schemas.microsoft.com/office/drawing/2010/main" val="0"/>
+              </a:ext>
+            </a:extLst>
+          </a:blip>
+          <a:stretch>
+            <a:fillRect/>
+          </a:stretch>
+        </p:blipFill>
+        <p:spPr>
+          <a:xfrm>
+            <a:off x="1659433" y="1312863"/>
+            <a:ext cx="8873133" cy="4845503"/>
+          </a:xfrm>
+        </p:spPr>
+      </p:pic>
     </p:spTree>
     <p:extLst>
       <p:ext uri="{BB962C8B-B14F-4D97-AF65-F5344CB8AC3E}">
-        <p14:creationId xmlns:p14="http://schemas.microsoft.com/office/powerpoint/2010/main" val="2265075307"/>
+        <p14:creationId xmlns:p14="http://schemas.microsoft.com/office/powerpoint/2010/main" val="1795897313"/>
       </p:ext>
     </p:extLst>
   </p:cSld>
@@ -9894,18 +9167,18 @@
       </p:grpSpPr>
       <p:sp>
         <p:nvSpPr>
-          <p:cNvPr id="4" name="Inhaltsplatzhalter 3"/>
-          <p:cNvSpPr>
-            <a:spLocks noGrp="1"/>
-          </p:cNvSpPr>
-          <p:nvPr>
-            <p:ph sz="quarter" idx="13"/>
+          <p:cNvPr id="2" name="Titel 1"/>
+          <p:cNvSpPr>
+            <a:spLocks noGrp="1"/>
+          </p:cNvSpPr>
+          <p:nvPr>
+            <p:ph type="title"/>
           </p:nvPr>
         </p:nvSpPr>
         <p:spPr>
           <a:xfrm>
-            <a:off x="360000" y="884238"/>
-            <a:ext cx="11469600" cy="5473019"/>
+            <a:off x="360000" y="286430"/>
+            <a:ext cx="9127667" cy="428625"/>
           </a:xfrm>
         </p:spPr>
         <p:txBody>
@@ -9914,73 +9187,7 @@
           <a:p>
             <a:r>
               <a:rPr lang="de-DE" dirty="0"/>
-              <a:t>Giuliano schreibt am 10.06 eine Klausur</a:t>
-            </a:r>
-          </a:p>
-          <a:p>
-            <a:endParaRPr lang="de-DE" dirty="0"/>
-          </a:p>
-          <a:p>
-            <a:r>
-              <a:rPr lang="de-DE" dirty="0"/>
-              <a:t>Deutsches </a:t>
-            </a:r>
-            <a:r>
-              <a:rPr lang="de-DE" dirty="0" err="1"/>
-              <a:t>Deepspeech</a:t>
-            </a:r>
-            <a:r>
-              <a:rPr lang="de-DE" dirty="0"/>
-              <a:t> Modell nutzen</a:t>
-            </a:r>
-          </a:p>
-          <a:p>
-            <a:endParaRPr lang="de-DE" dirty="0"/>
-          </a:p>
-          <a:p>
-            <a:r>
-              <a:rPr lang="de-DE" dirty="0"/>
-              <a:t>Netz mit Common Voice Datensatz selber trainieren</a:t>
-            </a:r>
-          </a:p>
-          <a:p>
-            <a:pPr marL="0" indent="0">
-              <a:buNone/>
-            </a:pPr>
-            <a:endParaRPr lang="de-DE" dirty="0"/>
-          </a:p>
-          <a:p>
-            <a:endParaRPr lang="de-DE" dirty="0"/>
-          </a:p>
-          <a:p>
-            <a:endParaRPr lang="de-DE" dirty="0"/>
-          </a:p>
-          <a:p>
-            <a:endParaRPr lang="de-DE" dirty="0"/>
-          </a:p>
-          <a:p>
-            <a:endParaRPr lang="de-DE" dirty="0"/>
-          </a:p>
-        </p:txBody>
-      </p:sp>
-      <p:sp>
-        <p:nvSpPr>
-          <p:cNvPr id="2" name="Titel 1"/>
-          <p:cNvSpPr>
-            <a:spLocks noGrp="1"/>
-          </p:cNvSpPr>
-          <p:nvPr>
-            <p:ph type="title"/>
-          </p:nvPr>
-        </p:nvSpPr>
-        <p:spPr/>
-        <p:txBody>
-          <a:bodyPr/>
-          <a:lstStyle/>
-          <a:p>
-            <a:r>
-              <a:rPr lang="de-DE" dirty="0"/>
-              <a:t>Nächste Schritte</a:t>
+              <a:t>Wirkstruktur Lokalisierung und Bewegung</a:t>
             </a:r>
           </a:p>
         </p:txBody>
@@ -10054,10 +9261,151 @@
           </a:p>
         </p:txBody>
       </p:sp>
+      <p:pic>
+        <p:nvPicPr>
+          <p:cNvPr id="8" name="Inhaltsplatzhalter 7">
+            <a:extLst>
+              <a:ext uri="{FF2B5EF4-FFF2-40B4-BE49-F238E27FC236}">
+                <a16:creationId xmlns:a16="http://schemas.microsoft.com/office/drawing/2014/main" id="{48AE6789-8E97-BC42-9C13-3933F3186E50}"/>
+              </a:ext>
+            </a:extLst>
+          </p:cNvPr>
+          <p:cNvPicPr>
+            <a:picLocks noGrp="1" noChangeAspect="1"/>
+          </p:cNvPicPr>
+          <p:nvPr>
+            <p:ph sz="quarter" idx="13"/>
+          </p:nvPr>
+        </p:nvPicPr>
+        <p:blipFill>
+          <a:blip r:embed="rId2">
+            <a:extLst>
+              <a:ext uri="{28A0092B-C50C-407E-A947-70E740481C1C}">
+                <a14:useLocalDpi xmlns:a14="http://schemas.microsoft.com/office/drawing/2010/main" val="0"/>
+              </a:ext>
+            </a:extLst>
+          </a:blip>
+          <a:stretch>
+            <a:fillRect/>
+          </a:stretch>
+        </p:blipFill>
+        <p:spPr>
+          <a:xfrm>
+            <a:off x="1505670" y="1767382"/>
+            <a:ext cx="8260367" cy="2676418"/>
+          </a:xfrm>
+        </p:spPr>
+      </p:pic>
+      <p:pic>
+        <p:nvPicPr>
+          <p:cNvPr id="14" name="Grafik 13" descr="Ein Bild, das Vogel enthält.&#10;&#10;Automatisch generierte Beschreibung">
+            <a:extLst>
+              <a:ext uri="{FF2B5EF4-FFF2-40B4-BE49-F238E27FC236}">
+                <a16:creationId xmlns:a16="http://schemas.microsoft.com/office/drawing/2014/main" id="{848FAF01-E0D6-6642-8BD2-1EA8EE4A91FE}"/>
+              </a:ext>
+            </a:extLst>
+          </p:cNvPr>
+          <p:cNvPicPr>
+            <a:picLocks noChangeAspect="1"/>
+          </p:cNvPicPr>
+          <p:nvPr/>
+        </p:nvPicPr>
+        <p:blipFill>
+          <a:blip r:embed="rId3">
+            <a:extLst>
+              <a:ext uri="{28A0092B-C50C-407E-A947-70E740481C1C}">
+                <a14:useLocalDpi xmlns:a14="http://schemas.microsoft.com/office/drawing/2010/main" val="0"/>
+              </a:ext>
+            </a:extLst>
+          </a:blip>
+          <a:stretch>
+            <a:fillRect/>
+          </a:stretch>
+        </p:blipFill>
+        <p:spPr>
+          <a:xfrm>
+            <a:off x="1641704" y="4305301"/>
+            <a:ext cx="3994150" cy="2279650"/>
+          </a:xfrm>
+          <a:prstGeom prst="rect">
+            <a:avLst/>
+          </a:prstGeom>
+        </p:spPr>
+      </p:pic>
+      <p:sp>
+        <p:nvSpPr>
+          <p:cNvPr id="15" name="Textfeld 14">
+            <a:extLst>
+              <a:ext uri="{FF2B5EF4-FFF2-40B4-BE49-F238E27FC236}">
+                <a16:creationId xmlns:a16="http://schemas.microsoft.com/office/drawing/2014/main" id="{8C711640-BD2A-7149-874C-CE2C172C5022}"/>
+              </a:ext>
+            </a:extLst>
+          </p:cNvPr>
+          <p:cNvSpPr txBox="1"/>
+          <p:nvPr/>
+        </p:nvSpPr>
+        <p:spPr>
+          <a:xfrm>
+            <a:off x="635218" y="4166801"/>
+            <a:ext cx="1237839" cy="276999"/>
+          </a:xfrm>
+          <a:prstGeom prst="rect">
+            <a:avLst/>
+          </a:prstGeom>
+          <a:noFill/>
+        </p:spPr>
+        <p:txBody>
+          <a:bodyPr wrap="none" rtlCol="0">
+            <a:spAutoFit/>
+          </a:bodyPr>
+          <a:lstStyle/>
+          <a:p>
+            <a:r>
+              <a:rPr lang="de-DE" b="1" dirty="0"/>
+              <a:t>Lokalisierung:</a:t>
+            </a:r>
+          </a:p>
+        </p:txBody>
+      </p:sp>
+      <p:sp>
+        <p:nvSpPr>
+          <p:cNvPr id="16" name="Textfeld 15">
+            <a:extLst>
+              <a:ext uri="{FF2B5EF4-FFF2-40B4-BE49-F238E27FC236}">
+                <a16:creationId xmlns:a16="http://schemas.microsoft.com/office/drawing/2014/main" id="{8B354517-9A12-844A-AE05-ED025118A824}"/>
+              </a:ext>
+            </a:extLst>
+          </p:cNvPr>
+          <p:cNvSpPr txBox="1"/>
+          <p:nvPr/>
+        </p:nvSpPr>
+        <p:spPr>
+          <a:xfrm>
+            <a:off x="635218" y="1092610"/>
+            <a:ext cx="1760418" cy="276999"/>
+          </a:xfrm>
+          <a:prstGeom prst="rect">
+            <a:avLst/>
+          </a:prstGeom>
+          <a:noFill/>
+        </p:spPr>
+        <p:txBody>
+          <a:bodyPr wrap="none" rtlCol="0">
+            <a:spAutoFit/>
+          </a:bodyPr>
+          <a:lstStyle/>
+          <a:p>
+            <a:r>
+              <a:rPr lang="de-DE" b="1" dirty="0"/>
+              <a:t>Bewegung/Regelung:</a:t>
+            </a:r>
+          </a:p>
+        </p:txBody>
+      </p:sp>
     </p:spTree>
     <p:extLst>
       <p:ext uri="{BB962C8B-B14F-4D97-AF65-F5344CB8AC3E}">
-        <p14:creationId xmlns:p14="http://schemas.microsoft.com/office/powerpoint/2010/main" val="3153214307"/>
+        <p14:creationId xmlns:p14="http://schemas.microsoft.com/office/powerpoint/2010/main" val="3581352736"/>
       </p:ext>
     </p:extLst>
   </p:cSld>
@@ -10086,18 +9434,18 @@
       </p:grpSpPr>
       <p:sp>
         <p:nvSpPr>
-          <p:cNvPr id="4" name="Inhaltsplatzhalter 3"/>
-          <p:cNvSpPr>
-            <a:spLocks noGrp="1"/>
-          </p:cNvSpPr>
-          <p:nvPr>
-            <p:ph sz="quarter" idx="13"/>
+          <p:cNvPr id="2" name="Titel 1"/>
+          <p:cNvSpPr>
+            <a:spLocks noGrp="1"/>
+          </p:cNvSpPr>
+          <p:nvPr>
+            <p:ph type="title"/>
           </p:nvPr>
         </p:nvSpPr>
         <p:spPr>
           <a:xfrm>
-            <a:off x="360000" y="884238"/>
-            <a:ext cx="11469600" cy="5473019"/>
+            <a:off x="360000" y="286430"/>
+            <a:ext cx="9127667" cy="428625"/>
           </a:xfrm>
         </p:spPr>
         <p:txBody>
@@ -10106,93 +9454,7 @@
           <a:p>
             <a:r>
               <a:rPr lang="de-DE" dirty="0"/>
-              <a:t>Serielle/</a:t>
-            </a:r>
-            <a:r>
-              <a:rPr lang="de-DE" dirty="0" err="1"/>
-              <a:t>paralelle</a:t>
-            </a:r>
-            <a:r>
-              <a:rPr lang="de-DE" dirty="0"/>
-              <a:t> Bildverarbeitung bei mehreren Bildquellen(2 Kinects)</a:t>
-            </a:r>
-          </a:p>
-          <a:p>
-            <a:endParaRPr lang="de-DE" dirty="0"/>
-          </a:p>
-          <a:p>
-            <a:r>
-              <a:rPr lang="de-DE" dirty="0"/>
-              <a:t>.</a:t>
-            </a:r>
-            <a:r>
-              <a:rPr lang="de-DE" dirty="0" err="1"/>
-              <a:t>pb</a:t>
-            </a:r>
-            <a:r>
-              <a:rPr lang="de-DE" dirty="0"/>
-              <a:t> Modelle auf Pi?</a:t>
-            </a:r>
-          </a:p>
-          <a:p>
-            <a:endParaRPr lang="de-DE" dirty="0"/>
-          </a:p>
-          <a:p>
-            <a:r>
-              <a:rPr lang="de-DE" dirty="0" err="1"/>
-              <a:t>Tflite</a:t>
-            </a:r>
-            <a:r>
-              <a:rPr lang="de-DE" dirty="0"/>
-              <a:t>/.</a:t>
-            </a:r>
-            <a:r>
-              <a:rPr lang="de-DE" dirty="0" err="1"/>
-              <a:t>pb</a:t>
-            </a:r>
-            <a:r>
-              <a:rPr lang="de-DE" dirty="0"/>
-              <a:t>?</a:t>
-            </a:r>
-          </a:p>
-          <a:p>
-            <a:endParaRPr lang="de-DE" dirty="0"/>
-          </a:p>
-          <a:p>
-            <a:r>
-              <a:rPr lang="de-DE" dirty="0"/>
-              <a:t>Erfahrung mit Training in der Google Cloud?</a:t>
-            </a:r>
-          </a:p>
-          <a:p>
-            <a:endParaRPr lang="de-DE" dirty="0"/>
-          </a:p>
-          <a:p>
-            <a:endParaRPr lang="de-DE" dirty="0"/>
-          </a:p>
-          <a:p>
-            <a:endParaRPr lang="de-DE" dirty="0"/>
-          </a:p>
-        </p:txBody>
-      </p:sp>
-      <p:sp>
-        <p:nvSpPr>
-          <p:cNvPr id="2" name="Titel 1"/>
-          <p:cNvSpPr>
-            <a:spLocks noGrp="1"/>
-          </p:cNvSpPr>
-          <p:nvPr>
-            <p:ph type="title"/>
-          </p:nvPr>
-        </p:nvSpPr>
-        <p:spPr/>
-        <p:txBody>
-          <a:bodyPr/>
-          <a:lstStyle/>
-          <a:p>
-            <a:r>
-              <a:rPr lang="de-DE" dirty="0"/>
-              <a:t>Offene Fragen</a:t>
+              <a:t>Python Skript für Sprachaufnahme</a:t>
             </a:r>
           </a:p>
         </p:txBody>
@@ -10266,10 +9528,759 @@
           </a:p>
         </p:txBody>
       </p:sp>
+      <p:grpSp>
+        <p:nvGrpSpPr>
+          <p:cNvPr id="24" name="Gruppieren 23">
+            <a:extLst>
+              <a:ext uri="{FF2B5EF4-FFF2-40B4-BE49-F238E27FC236}">
+                <a16:creationId xmlns:a16="http://schemas.microsoft.com/office/drawing/2014/main" id="{2E009D58-B407-504C-8F97-635957EC9CC6}"/>
+              </a:ext>
+            </a:extLst>
+          </p:cNvPr>
+          <p:cNvGrpSpPr/>
+          <p:nvPr/>
+        </p:nvGrpSpPr>
+        <p:grpSpPr>
+          <a:xfrm>
+            <a:off x="360000" y="3401083"/>
+            <a:ext cx="10738532" cy="2069432"/>
+            <a:chOff x="180519" y="2321924"/>
+            <a:chExt cx="10738532" cy="2069432"/>
+          </a:xfrm>
+        </p:grpSpPr>
+        <p:grpSp>
+          <p:nvGrpSpPr>
+            <p:cNvPr id="22" name="Gruppieren 21">
+              <a:extLst>
+                <a:ext uri="{FF2B5EF4-FFF2-40B4-BE49-F238E27FC236}">
+                  <a16:creationId xmlns:a16="http://schemas.microsoft.com/office/drawing/2014/main" id="{43F2459F-A649-E941-B7EB-9CCD41FC42F0}"/>
+                </a:ext>
+              </a:extLst>
+            </p:cNvPr>
+            <p:cNvGrpSpPr/>
+            <p:nvPr/>
+          </p:nvGrpSpPr>
+          <p:grpSpPr>
+            <a:xfrm>
+              <a:off x="180519" y="2353500"/>
+              <a:ext cx="6123458" cy="1707788"/>
+              <a:chOff x="674384" y="1877622"/>
+              <a:chExt cx="7192491" cy="2263861"/>
+            </a:xfrm>
+          </p:grpSpPr>
+          <p:pic>
+            <p:nvPicPr>
+              <p:cNvPr id="12" name="Grafik 11" descr="Ein Bild, das Säugetier, Tier, braun, sitzend enthält.&#10;&#10;Automatisch generierte Beschreibung">
+                <a:extLst>
+                  <a:ext uri="{FF2B5EF4-FFF2-40B4-BE49-F238E27FC236}">
+                    <a16:creationId xmlns:a16="http://schemas.microsoft.com/office/drawing/2014/main" id="{EEF14720-64C4-3145-B971-92360852C315}"/>
+                  </a:ext>
+                </a:extLst>
+              </p:cNvPr>
+              <p:cNvPicPr>
+                <a:picLocks noChangeAspect="1"/>
+              </p:cNvPicPr>
+              <p:nvPr/>
+            </p:nvPicPr>
+            <p:blipFill>
+              <a:blip r:embed="rId2"/>
+              <a:stretch>
+                <a:fillRect/>
+              </a:stretch>
+            </p:blipFill>
+            <p:spPr>
+              <a:xfrm>
+                <a:off x="674384" y="1877622"/>
+                <a:ext cx="2136458" cy="2263861"/>
+              </a:xfrm>
+              <a:prstGeom prst="rect">
+                <a:avLst/>
+              </a:prstGeom>
+            </p:spPr>
+          </p:pic>
+          <p:pic>
+            <p:nvPicPr>
+              <p:cNvPr id="13" name="Grafik 12" descr="Ein Bild, das Uhr enthält.&#10;&#10;Automatisch generierte Beschreibung">
+                <a:extLst>
+                  <a:ext uri="{FF2B5EF4-FFF2-40B4-BE49-F238E27FC236}">
+                    <a16:creationId xmlns:a16="http://schemas.microsoft.com/office/drawing/2014/main" id="{11B81096-C9D8-3547-B093-BF8856C23A2F}"/>
+                  </a:ext>
+                </a:extLst>
+              </p:cNvPr>
+              <p:cNvPicPr>
+                <a:picLocks noChangeAspect="1"/>
+              </p:cNvPicPr>
+              <p:nvPr/>
+            </p:nvPicPr>
+            <p:blipFill>
+              <a:blip r:embed="rId3"/>
+              <a:stretch>
+                <a:fillRect/>
+              </a:stretch>
+            </p:blipFill>
+            <p:spPr>
+              <a:xfrm>
+                <a:off x="4109685" y="2517329"/>
+                <a:ext cx="1380133" cy="1380133"/>
+              </a:xfrm>
+              <a:prstGeom prst="rect">
+                <a:avLst/>
+              </a:prstGeom>
+            </p:spPr>
+          </p:pic>
+          <p:pic>
+            <p:nvPicPr>
+              <p:cNvPr id="17" name="Grafik 16" descr="Hinzufügen">
+                <a:extLst>
+                  <a:ext uri="{FF2B5EF4-FFF2-40B4-BE49-F238E27FC236}">
+                    <a16:creationId xmlns:a16="http://schemas.microsoft.com/office/drawing/2014/main" id="{170B0C43-BC0C-AD46-80D1-DB763C7ED8A5}"/>
+                  </a:ext>
+                </a:extLst>
+              </p:cNvPr>
+              <p:cNvPicPr>
+                <a:picLocks noChangeAspect="1"/>
+              </p:cNvPicPr>
+              <p:nvPr/>
+            </p:nvPicPr>
+            <p:blipFill>
+              <a:blip r:embed="rId4">
+                <a:extLst>
+                  <a:ext uri="{96DAC541-7B7A-43D3-8B79-37D633B846F1}">
+                    <asvg:svgBlip xmlns:asvg="http://schemas.microsoft.com/office/drawing/2016/SVG/main" r:embed="rId5"/>
+                  </a:ext>
+                </a:extLst>
+              </a:blip>
+              <a:stretch>
+                <a:fillRect/>
+              </a:stretch>
+            </p:blipFill>
+            <p:spPr>
+              <a:xfrm>
+                <a:off x="3172887" y="2952401"/>
+                <a:ext cx="509987" cy="509987"/>
+              </a:xfrm>
+              <a:prstGeom prst="rect">
+                <a:avLst/>
+              </a:prstGeom>
+            </p:spPr>
+          </p:pic>
+          <p:pic>
+            <p:nvPicPr>
+              <p:cNvPr id="10" name="Grafik 9" descr="Funkmikrofon">
+                <a:extLst>
+                  <a:ext uri="{FF2B5EF4-FFF2-40B4-BE49-F238E27FC236}">
+                    <a16:creationId xmlns:a16="http://schemas.microsoft.com/office/drawing/2014/main" id="{6FDD425B-0CDD-4B43-B634-38205306F3E0}"/>
+                  </a:ext>
+                </a:extLst>
+              </p:cNvPr>
+              <p:cNvPicPr>
+                <a:picLocks noChangeAspect="1"/>
+              </p:cNvPicPr>
+              <p:nvPr/>
+            </p:nvPicPr>
+            <p:blipFill>
+              <a:blip r:embed="rId6">
+                <a:extLst>
+                  <a:ext uri="{28A0092B-C50C-407E-A947-70E740481C1C}">
+                    <a14:useLocalDpi xmlns:a14="http://schemas.microsoft.com/office/drawing/2010/main" val="0"/>
+                  </a:ext>
+                  <a:ext uri="{96DAC541-7B7A-43D3-8B79-37D633B846F1}">
+                    <asvg:svgBlip xmlns:asvg="http://schemas.microsoft.com/office/drawing/2016/SVG/main" r:embed="rId7"/>
+                  </a:ext>
+                </a:extLst>
+              </a:blip>
+              <a:stretch>
+                <a:fillRect/>
+              </a:stretch>
+            </p:blipFill>
+            <p:spPr>
+              <a:xfrm>
+                <a:off x="6952475" y="2721013"/>
+                <a:ext cx="914400" cy="914400"/>
+              </a:xfrm>
+              <a:prstGeom prst="rect">
+                <a:avLst/>
+              </a:prstGeom>
+            </p:spPr>
+          </p:pic>
+          <p:pic>
+            <p:nvPicPr>
+              <p:cNvPr id="18" name="Grafik 17" descr="Hinzufügen">
+                <a:extLst>
+                  <a:ext uri="{FF2B5EF4-FFF2-40B4-BE49-F238E27FC236}">
+                    <a16:creationId xmlns:a16="http://schemas.microsoft.com/office/drawing/2014/main" id="{4E104C8C-FCCF-F241-882E-60CA078DE484}"/>
+                  </a:ext>
+                </a:extLst>
+              </p:cNvPr>
+              <p:cNvPicPr>
+                <a:picLocks noChangeAspect="1"/>
+              </p:cNvPicPr>
+              <p:nvPr/>
+            </p:nvPicPr>
+            <p:blipFill>
+              <a:blip r:embed="rId4">
+                <a:extLst>
+                  <a:ext uri="{96DAC541-7B7A-43D3-8B79-37D633B846F1}">
+                    <asvg:svgBlip xmlns:asvg="http://schemas.microsoft.com/office/drawing/2016/SVG/main" r:embed="rId8"/>
+                  </a:ext>
+                </a:extLst>
+              </a:blip>
+              <a:stretch>
+                <a:fillRect/>
+              </a:stretch>
+            </p:blipFill>
+            <p:spPr>
+              <a:xfrm>
+                <a:off x="5946099" y="2923220"/>
+                <a:ext cx="509987" cy="509987"/>
+              </a:xfrm>
+              <a:prstGeom prst="rect">
+                <a:avLst/>
+              </a:prstGeom>
+            </p:spPr>
+          </p:pic>
+        </p:grpSp>
+        <p:pic>
+          <p:nvPicPr>
+            <p:cNvPr id="19" name="Grafik 18">
+              <a:extLst>
+                <a:ext uri="{FF2B5EF4-FFF2-40B4-BE49-F238E27FC236}">
+                  <a16:creationId xmlns:a16="http://schemas.microsoft.com/office/drawing/2014/main" id="{090CAC3B-FD3A-1C45-80AF-F40385E1D85B}"/>
+                </a:ext>
+              </a:extLst>
+            </p:cNvPr>
+            <p:cNvPicPr>
+              <a:picLocks noChangeAspect="1"/>
+            </p:cNvPicPr>
+            <p:nvPr/>
+          </p:nvPicPr>
+          <p:blipFill>
+            <a:blip r:embed="rId9">
+              <a:extLst>
+                <a:ext uri="{28A0092B-C50C-407E-A947-70E740481C1C}">
+                  <a14:useLocalDpi xmlns:a14="http://schemas.microsoft.com/office/drawing/2010/main" val="0"/>
+                </a:ext>
+              </a:extLst>
+            </a:blip>
+            <a:stretch>
+              <a:fillRect/>
+            </a:stretch>
+          </p:blipFill>
+          <p:spPr>
+            <a:xfrm>
+              <a:off x="8849619" y="2321924"/>
+              <a:ext cx="2069432" cy="2069432"/>
+            </a:xfrm>
+            <a:prstGeom prst="rect">
+              <a:avLst/>
+            </a:prstGeom>
+          </p:spPr>
+        </p:pic>
+        <p:cxnSp>
+          <p:nvCxnSpPr>
+            <p:cNvPr id="21" name="Gerade Verbindung mit Pfeil 20">
+              <a:extLst>
+                <a:ext uri="{FF2B5EF4-FFF2-40B4-BE49-F238E27FC236}">
+                  <a16:creationId xmlns:a16="http://schemas.microsoft.com/office/drawing/2014/main" id="{0EBCA4A7-AD73-5640-86B5-6E4EFB55A48D}"/>
+                </a:ext>
+              </a:extLst>
+            </p:cNvPr>
+            <p:cNvCxnSpPr>
+              <a:cxnSpLocks/>
+            </p:cNvCxnSpPr>
+            <p:nvPr/>
+          </p:nvCxnSpPr>
+          <p:spPr>
+            <a:xfrm>
+              <a:off x="6677526" y="3329588"/>
+              <a:ext cx="1576137" cy="0"/>
+            </a:xfrm>
+            <a:prstGeom prst="straightConnector1">
+              <a:avLst/>
+            </a:prstGeom>
+            <a:ln w="50800">
+              <a:tailEnd type="triangle"/>
+            </a:ln>
+          </p:spPr>
+          <p:style>
+            <a:lnRef idx="1">
+              <a:schemeClr val="accent1"/>
+            </a:lnRef>
+            <a:fillRef idx="0">
+              <a:schemeClr val="accent1"/>
+            </a:fillRef>
+            <a:effectRef idx="0">
+              <a:schemeClr val="accent1"/>
+            </a:effectRef>
+            <a:fontRef idx="minor">
+              <a:schemeClr val="tx1"/>
+            </a:fontRef>
+          </p:style>
+        </p:cxnSp>
+      </p:grpSp>
+      <p:sp>
+        <p:nvSpPr>
+          <p:cNvPr id="28" name="Inhaltsplatzhalter 3">
+            <a:extLst>
+              <a:ext uri="{FF2B5EF4-FFF2-40B4-BE49-F238E27FC236}">
+                <a16:creationId xmlns:a16="http://schemas.microsoft.com/office/drawing/2014/main" id="{ADEFC082-EFC1-FE41-9B39-690810CC5797}"/>
+              </a:ext>
+            </a:extLst>
+          </p:cNvPr>
+          <p:cNvSpPr>
+            <a:spLocks noGrp="1"/>
+          </p:cNvSpPr>
+          <p:nvPr>
+            <p:ph sz="quarter" idx="13"/>
+          </p:nvPr>
+        </p:nvSpPr>
+        <p:spPr>
+          <a:xfrm>
+            <a:off x="360450" y="953979"/>
+            <a:ext cx="11469600" cy="5473019"/>
+          </a:xfrm>
+        </p:spPr>
+        <p:txBody>
+          <a:bodyPr/>
+          <a:lstStyle/>
+          <a:p>
+            <a:r>
+              <a:rPr lang="de-DE" dirty="0"/>
+              <a:t>Python Skript statt Simulink Modell für Sprachaufnahme (Code-Generierung mit Audio Device Reader gestaltete sich als schwierig)</a:t>
+            </a:r>
+          </a:p>
+          <a:p>
+            <a:endParaRPr lang="de-DE" dirty="0"/>
+          </a:p>
+          <a:p>
+            <a:pPr marL="0" indent="0">
+              <a:buNone/>
+            </a:pPr>
+            <a:endParaRPr lang="de-DE" dirty="0"/>
+          </a:p>
+          <a:p>
+            <a:pPr marL="0" indent="0">
+              <a:buNone/>
+            </a:pPr>
+            <a:endParaRPr lang="de-DE" dirty="0"/>
+          </a:p>
+          <a:p>
+            <a:endParaRPr lang="de-DE" dirty="0"/>
+          </a:p>
+          <a:p>
+            <a:endParaRPr lang="de-DE" dirty="0"/>
+          </a:p>
+        </p:txBody>
+      </p:sp>
+    </p:spTree>
+    <p:extLst>
+      <p:ext uri="{BB962C8B-B14F-4D97-AF65-F5344CB8AC3E}">
+        <p14:creationId xmlns:p14="http://schemas.microsoft.com/office/powerpoint/2010/main" val="1958849816"/>
+      </p:ext>
+    </p:extLst>
+  </p:cSld>
+  <p:clrMapOvr>
+    <a:masterClrMapping/>
+  </p:clrMapOvr>
+</p:sld>
+</file>
+
+<file path=ppt/slides/slide6.xml><?xml version="1.0" encoding="utf-8"?>
+<p:sld xmlns:a="http://schemas.openxmlformats.org/drawingml/2006/main" xmlns:r="http://schemas.openxmlformats.org/officeDocument/2006/relationships" xmlns:p="http://schemas.openxmlformats.org/presentationml/2006/main">
+  <p:cSld>
+    <p:spTree>
+      <p:nvGrpSpPr>
+        <p:cNvPr id="1" name=""/>
+        <p:cNvGrpSpPr/>
+        <p:nvPr/>
+      </p:nvGrpSpPr>
+      <p:grpSpPr>
+        <a:xfrm>
+          <a:off x="0" y="0"/>
+          <a:ext cx="0" cy="0"/>
+          <a:chOff x="0" y="0"/>
+          <a:chExt cx="0" cy="0"/>
+        </a:xfrm>
+      </p:grpSpPr>
+      <p:sp>
+        <p:nvSpPr>
+          <p:cNvPr id="4" name="Inhaltsplatzhalter 3"/>
+          <p:cNvSpPr>
+            <a:spLocks noGrp="1"/>
+          </p:cNvSpPr>
+          <p:nvPr>
+            <p:ph sz="quarter" idx="13"/>
+          </p:nvPr>
+        </p:nvSpPr>
+        <p:spPr>
+          <a:xfrm>
+            <a:off x="360000" y="884238"/>
+            <a:ext cx="11469600" cy="5473019"/>
+          </a:xfrm>
+        </p:spPr>
+        <p:txBody>
+          <a:bodyPr/>
+          <a:lstStyle/>
+          <a:p>
+            <a:r>
+              <a:rPr lang="de-DE" dirty="0"/>
+              <a:t>Alf-Spezifische Nachbearbeitung der Transkription?</a:t>
+            </a:r>
+          </a:p>
+          <a:p>
+            <a:pPr lvl="1"/>
+            <a:r>
+              <a:rPr lang="de-DE" dirty="0"/>
+              <a:t>Lernend </a:t>
+            </a:r>
+            <a:r>
+              <a:rPr lang="de-DE" dirty="0" err="1"/>
+              <a:t>z.B</a:t>
+            </a:r>
+            <a:r>
+              <a:rPr lang="de-DE" dirty="0"/>
+              <a:t> durch „bessere“ </a:t>
+            </a:r>
+            <a:r>
+              <a:rPr lang="de-DE" dirty="0" err="1"/>
+              <a:t>Ibm</a:t>
+            </a:r>
+            <a:r>
+              <a:rPr lang="de-DE" dirty="0"/>
+              <a:t> Transkription und entsprechendem Konfidenz Level?</a:t>
+            </a:r>
+          </a:p>
+          <a:p>
+            <a:pPr marL="0" indent="0">
+              <a:buNone/>
+            </a:pPr>
+            <a:endParaRPr lang="de-DE" dirty="0"/>
+          </a:p>
+          <a:p>
+            <a:r>
+              <a:rPr lang="de-DE" dirty="0"/>
+              <a:t>Konvertierung von .</a:t>
+            </a:r>
+            <a:r>
+              <a:rPr lang="de-DE" dirty="0" err="1"/>
+              <a:t>pb</a:t>
+            </a:r>
+            <a:r>
+              <a:rPr lang="de-DE" dirty="0"/>
+              <a:t> auf .</a:t>
+            </a:r>
+            <a:r>
+              <a:rPr lang="de-DE" dirty="0" err="1"/>
+              <a:t>tflite</a:t>
+            </a:r>
+            <a:r>
+              <a:rPr lang="de-DE" dirty="0"/>
+              <a:t> bereitet noch Probleme</a:t>
+            </a:r>
+          </a:p>
+          <a:p>
+            <a:endParaRPr lang="de-DE" dirty="0"/>
+          </a:p>
+          <a:p>
+            <a:endParaRPr lang="de-DE" dirty="0"/>
+          </a:p>
+          <a:p>
+            <a:endParaRPr lang="de-DE" dirty="0"/>
+          </a:p>
+        </p:txBody>
+      </p:sp>
+      <p:sp>
+        <p:nvSpPr>
+          <p:cNvPr id="2" name="Titel 1"/>
+          <p:cNvSpPr>
+            <a:spLocks noGrp="1"/>
+          </p:cNvSpPr>
+          <p:nvPr>
+            <p:ph type="title"/>
+          </p:nvPr>
+        </p:nvSpPr>
+        <p:spPr/>
+        <p:txBody>
+          <a:bodyPr/>
+          <a:lstStyle/>
+          <a:p>
+            <a:r>
+              <a:rPr lang="de-DE" dirty="0"/>
+              <a:t>Offene Fragen</a:t>
+            </a:r>
+          </a:p>
+        </p:txBody>
+      </p:sp>
+      <p:sp>
+        <p:nvSpPr>
+          <p:cNvPr id="6" name="Fußzeilenplatzhalter 5"/>
+          <p:cNvSpPr>
+            <a:spLocks noGrp="1"/>
+          </p:cNvSpPr>
+          <p:nvPr>
+            <p:ph type="ftr" sz="quarter" idx="3"/>
+          </p:nvPr>
+        </p:nvSpPr>
+        <p:spPr/>
+        <p:txBody>
+          <a:bodyPr/>
+          <a:lstStyle/>
+          <a:p>
+            <a:r>
+              <a:rPr lang="de-DE" dirty="0"/>
+              <a:t>Informationen zur Modeling Guideline</a:t>
+            </a:r>
+          </a:p>
+        </p:txBody>
+      </p:sp>
+      <p:sp>
+        <p:nvSpPr>
+          <p:cNvPr id="7" name="Foliennummernplatzhalter 6"/>
+          <p:cNvSpPr>
+            <a:spLocks noGrp="1"/>
+          </p:cNvSpPr>
+          <p:nvPr>
+            <p:ph type="sldNum" sz="quarter" idx="4"/>
+          </p:nvPr>
+        </p:nvSpPr>
+        <p:spPr/>
+        <p:txBody>
+          <a:bodyPr/>
+          <a:lstStyle/>
+          <a:p>
+            <a:fld id="{369A084B-84B6-4F15-B0F5-CCDC4176846B}" type="slidenum">
+              <a:rPr lang="de-DE" smtClean="0"/>
+              <a:pPr/>
+              <a:t>6</a:t>
+            </a:fld>
+            <a:endParaRPr lang="de-DE" dirty="0"/>
+          </a:p>
+        </p:txBody>
+      </p:sp>
+      <p:sp>
+        <p:nvSpPr>
+          <p:cNvPr id="9" name="Datumsplatzhalter 8"/>
+          <p:cNvSpPr>
+            <a:spLocks noGrp="1"/>
+          </p:cNvSpPr>
+          <p:nvPr>
+            <p:ph type="dt" sz="half" idx="2"/>
+          </p:nvPr>
+        </p:nvSpPr>
+        <p:spPr/>
+        <p:txBody>
+          <a:bodyPr/>
+          <a:lstStyle/>
+          <a:p>
+            <a:r>
+              <a:rPr lang="de-DE"/>
+              <a:t>10.2019</a:t>
+            </a:r>
+            <a:endParaRPr lang="de-DE" dirty="0"/>
+          </a:p>
+        </p:txBody>
+      </p:sp>
     </p:spTree>
     <p:extLst>
       <p:ext uri="{BB962C8B-B14F-4D97-AF65-F5344CB8AC3E}">
         <p14:creationId xmlns:p14="http://schemas.microsoft.com/office/powerpoint/2010/main" val="3902154374"/>
+      </p:ext>
+    </p:extLst>
+  </p:cSld>
+  <p:clrMapOvr>
+    <a:masterClrMapping/>
+  </p:clrMapOvr>
+</p:sld>
+</file>
+
+<file path=ppt/slides/slide7.xml><?xml version="1.0" encoding="utf-8"?>
+<p:sld xmlns:a="http://schemas.openxmlformats.org/drawingml/2006/main" xmlns:r="http://schemas.openxmlformats.org/officeDocument/2006/relationships" xmlns:p="http://schemas.openxmlformats.org/presentationml/2006/main">
+  <p:cSld>
+    <p:spTree>
+      <p:nvGrpSpPr>
+        <p:cNvPr id="1" name=""/>
+        <p:cNvGrpSpPr/>
+        <p:nvPr/>
+      </p:nvGrpSpPr>
+      <p:grpSpPr>
+        <a:xfrm>
+          <a:off x="0" y="0"/>
+          <a:ext cx="0" cy="0"/>
+          <a:chOff x="0" y="0"/>
+          <a:chExt cx="0" cy="0"/>
+        </a:xfrm>
+      </p:grpSpPr>
+      <p:sp>
+        <p:nvSpPr>
+          <p:cNvPr id="4" name="Inhaltsplatzhalter 3"/>
+          <p:cNvSpPr>
+            <a:spLocks noGrp="1"/>
+          </p:cNvSpPr>
+          <p:nvPr>
+            <p:ph sz="quarter" idx="13"/>
+          </p:nvPr>
+        </p:nvSpPr>
+        <p:spPr>
+          <a:xfrm>
+            <a:off x="360000" y="884238"/>
+            <a:ext cx="11469600" cy="5473019"/>
+          </a:xfrm>
+        </p:spPr>
+        <p:txBody>
+          <a:bodyPr/>
+          <a:lstStyle/>
+          <a:p>
+            <a:r>
+              <a:rPr lang="de-DE" dirty="0"/>
+              <a:t>ALF spezifische Nachbearbeitung der Transkription(String suche)</a:t>
+            </a:r>
+          </a:p>
+          <a:p>
+            <a:endParaRPr lang="de-DE" dirty="0"/>
+          </a:p>
+          <a:p>
+            <a:r>
+              <a:rPr lang="de-DE" dirty="0"/>
+              <a:t>Key Phrase </a:t>
+            </a:r>
+            <a:r>
+              <a:rPr lang="de-DE" dirty="0" err="1"/>
+              <a:t>Detection</a:t>
+            </a:r>
+            <a:r>
+              <a:rPr lang="de-DE" dirty="0"/>
+              <a:t> „Siri...“</a:t>
+            </a:r>
+          </a:p>
+          <a:p>
+            <a:pPr marL="0" indent="0">
+              <a:buNone/>
+            </a:pPr>
+            <a:endParaRPr lang="de-DE" dirty="0"/>
+          </a:p>
+          <a:p>
+            <a:r>
+              <a:rPr lang="de-DE" dirty="0"/>
+              <a:t>Anmeldung MA</a:t>
+            </a:r>
+          </a:p>
+          <a:p>
+            <a:endParaRPr lang="de-DE" dirty="0"/>
+          </a:p>
+          <a:p>
+            <a:r>
+              <a:rPr lang="de-DE" dirty="0"/>
+              <a:t>Giuliano</a:t>
+            </a:r>
+            <a:r>
+              <a:rPr lang="de-DE"/>
+              <a:t>: Klausur</a:t>
+            </a:r>
+            <a:endParaRPr lang="de-DE" dirty="0"/>
+          </a:p>
+          <a:p>
+            <a:endParaRPr lang="de-DE" dirty="0"/>
+          </a:p>
+          <a:p>
+            <a:endParaRPr lang="de-DE" dirty="0"/>
+          </a:p>
+        </p:txBody>
+      </p:sp>
+      <p:sp>
+        <p:nvSpPr>
+          <p:cNvPr id="2" name="Titel 1"/>
+          <p:cNvSpPr>
+            <a:spLocks noGrp="1"/>
+          </p:cNvSpPr>
+          <p:nvPr>
+            <p:ph type="title"/>
+          </p:nvPr>
+        </p:nvSpPr>
+        <p:spPr/>
+        <p:txBody>
+          <a:bodyPr/>
+          <a:lstStyle/>
+          <a:p>
+            <a:r>
+              <a:rPr lang="de-DE" dirty="0"/>
+              <a:t>Nächste Schritte</a:t>
+            </a:r>
+          </a:p>
+        </p:txBody>
+      </p:sp>
+      <p:sp>
+        <p:nvSpPr>
+          <p:cNvPr id="6" name="Fußzeilenplatzhalter 5"/>
+          <p:cNvSpPr>
+            <a:spLocks noGrp="1"/>
+          </p:cNvSpPr>
+          <p:nvPr>
+            <p:ph type="ftr" sz="quarter" idx="3"/>
+          </p:nvPr>
+        </p:nvSpPr>
+        <p:spPr/>
+        <p:txBody>
+          <a:bodyPr/>
+          <a:lstStyle/>
+          <a:p>
+            <a:r>
+              <a:rPr lang="de-DE" dirty="0"/>
+              <a:t>Informationen zur Modeling Guideline</a:t>
+            </a:r>
+          </a:p>
+        </p:txBody>
+      </p:sp>
+      <p:sp>
+        <p:nvSpPr>
+          <p:cNvPr id="7" name="Foliennummernplatzhalter 6"/>
+          <p:cNvSpPr>
+            <a:spLocks noGrp="1"/>
+          </p:cNvSpPr>
+          <p:nvPr>
+            <p:ph type="sldNum" sz="quarter" idx="4"/>
+          </p:nvPr>
+        </p:nvSpPr>
+        <p:spPr/>
+        <p:txBody>
+          <a:bodyPr/>
+          <a:lstStyle/>
+          <a:p>
+            <a:fld id="{369A084B-84B6-4F15-B0F5-CCDC4176846B}" type="slidenum">
+              <a:rPr lang="de-DE" smtClean="0"/>
+              <a:pPr/>
+              <a:t>7</a:t>
+            </a:fld>
+            <a:endParaRPr lang="de-DE" dirty="0"/>
+          </a:p>
+        </p:txBody>
+      </p:sp>
+      <p:sp>
+        <p:nvSpPr>
+          <p:cNvPr id="9" name="Datumsplatzhalter 8"/>
+          <p:cNvSpPr>
+            <a:spLocks noGrp="1"/>
+          </p:cNvSpPr>
+          <p:nvPr>
+            <p:ph type="dt" sz="half" idx="2"/>
+          </p:nvPr>
+        </p:nvSpPr>
+        <p:spPr/>
+        <p:txBody>
+          <a:bodyPr/>
+          <a:lstStyle/>
+          <a:p>
+            <a:r>
+              <a:rPr lang="de-DE"/>
+              <a:t>10.2019</a:t>
+            </a:r>
+            <a:endParaRPr lang="de-DE" dirty="0"/>
+          </a:p>
+        </p:txBody>
+      </p:sp>
+    </p:spTree>
+    <p:extLst>
+      <p:ext uri="{BB962C8B-B14F-4D97-AF65-F5344CB8AC3E}">
+        <p14:creationId xmlns:p14="http://schemas.microsoft.com/office/powerpoint/2010/main" val="409250860"/>
       </p:ext>
     </p:extLst>
   </p:cSld>
@@ -10749,6 +10760,75 @@
 </file>
 
 <file path=customXml/item2.xml><?xml version="1.0" encoding="utf-8"?>
+<?mso-contentType ?>
+<customXsn xmlns="http://schemas.microsoft.com/office/2006/metadata/customXsn">
+  <xsnLocation/>
+  <cached>True</cached>
+  <openByDefault>True</openByDefault>
+  <xsnScope/>
+</customXsn>
+</file>
+
+<file path=customXml/item3.xml><?xml version="1.0" encoding="utf-8"?>
+<?mso-contentType ?>
+<spe:Receivers xmlns:spe="http://schemas.microsoft.com/sharepoint/events">
+  <Receiver>
+    <Name>Document ID Generator</Name>
+    <Synchronization>Synchronous</Synchronization>
+    <Type>10001</Type>
+    <SequenceNumber>1000</SequenceNumber>
+    <Url/>
+    <Assembly>Microsoft.Office.DocumentManagement, Version=15.0.0.0, Culture=neutral, PublicKeyToken=71e9bce111e9429c</Assembly>
+    <Class>Microsoft.Office.DocumentManagement.Internal.DocIdHandler</Class>
+    <Data/>
+    <Filter/>
+  </Receiver>
+  <Receiver>
+    <Name>Document ID Generator</Name>
+    <Synchronization>Synchronous</Synchronization>
+    <Type>10002</Type>
+    <SequenceNumber>1001</SequenceNumber>
+    <Url/>
+    <Assembly>Microsoft.Office.DocumentManagement, Version=15.0.0.0, Culture=neutral, PublicKeyToken=71e9bce111e9429c</Assembly>
+    <Class>Microsoft.Office.DocumentManagement.Internal.DocIdHandler</Class>
+    <Data/>
+    <Filter/>
+  </Receiver>
+  <Receiver>
+    <Name>Document ID Generator</Name>
+    <Synchronization>Synchronous</Synchronization>
+    <Type>10004</Type>
+    <SequenceNumber>1002</SequenceNumber>
+    <Url/>
+    <Assembly>Microsoft.Office.DocumentManagement, Version=15.0.0.0, Culture=neutral, PublicKeyToken=71e9bce111e9429c</Assembly>
+    <Class>Microsoft.Office.DocumentManagement.Internal.DocIdHandler</Class>
+    <Data/>
+    <Filter/>
+  </Receiver>
+  <Receiver>
+    <Name>Document ID Generator</Name>
+    <Synchronization>Synchronous</Synchronization>
+    <Type>10006</Type>
+    <SequenceNumber>1003</SequenceNumber>
+    <Url/>
+    <Assembly>Microsoft.Office.DocumentManagement, Version=15.0.0.0, Culture=neutral, PublicKeyToken=71e9bce111e9429c</Assembly>
+    <Class>Microsoft.Office.DocumentManagement.Internal.DocIdHandler</Class>
+    <Data/>
+    <Filter/>
+  </Receiver>
+</spe:Receivers>
+</file>
+
+<file path=customXml/item4.xml><?xml version="1.0" encoding="utf-8"?>
+<?mso-contentType ?>
+<FormTemplates xmlns="http://schemas.microsoft.com/sharepoint/v3/contenttype/forms">
+  <Display>DocumentLibraryForm</Display>
+  <Edit>DocumentLibraryForm</Edit>
+  <New>DocumentLibraryForm</New>
+</FormTemplates>
+</file>
+
+<file path=customXml/item5.xml><?xml version="1.0" encoding="utf-8"?>
 <ct:contentTypeSchema xmlns:ct="http://schemas.microsoft.com/office/2006/metadata/contentType" xmlns:ma="http://schemas.microsoft.com/office/2006/metadata/properties/metaAttributes" ct:_="" ma:_="" ma:contentTypeName="Dokument" ma:contentTypeID="0x010100ABBD9003812289408EA7333BCACF44FC" ma:contentTypeVersion="12" ma:contentTypeDescription="Ein neues Dokument erstellen." ma:contentTypeScope="" ma:versionID="0c5c1046a88a933084f5a8197ebf6a23">
   <xsd:schema xmlns:xsd="http://www.w3.org/2001/XMLSchema" xmlns:xs="http://www.w3.org/2001/XMLSchema" xmlns:p="http://schemas.microsoft.com/office/2006/metadata/properties" xmlns:ns2="b85a9d60-6535-41ad-bf5c-23a8b594cd63" xmlns:ns3="ed5c7061-1de8-4387-89c6-d21a66c01b33" targetNamespace="http://schemas.microsoft.com/office/2006/metadata/properties" ma:root="true" ma:fieldsID="f2895043163c27cc329504fc8636e150" ns2:_="" ns3:_="">
     <xsd:import namespace="b85a9d60-6535-41ad-bf5c-23a8b594cd63"/>
@@ -10962,75 +11042,6 @@
 </ct:contentTypeSchema>
 </file>
 
-<file path=customXml/item3.xml><?xml version="1.0" encoding="utf-8"?>
-<?mso-contentType ?>
-<FormTemplates xmlns="http://schemas.microsoft.com/sharepoint/v3/contenttype/forms">
-  <Display>DocumentLibraryForm</Display>
-  <Edit>DocumentLibraryForm</Edit>
-  <New>DocumentLibraryForm</New>
-</FormTemplates>
-</file>
-
-<file path=customXml/item4.xml><?xml version="1.0" encoding="utf-8"?>
-<?mso-contentType ?>
-<spe:Receivers xmlns:spe="http://schemas.microsoft.com/sharepoint/events">
-  <Receiver>
-    <Name>Document ID Generator</Name>
-    <Synchronization>Synchronous</Synchronization>
-    <Type>10001</Type>
-    <SequenceNumber>1000</SequenceNumber>
-    <Url/>
-    <Assembly>Microsoft.Office.DocumentManagement, Version=15.0.0.0, Culture=neutral, PublicKeyToken=71e9bce111e9429c</Assembly>
-    <Class>Microsoft.Office.DocumentManagement.Internal.DocIdHandler</Class>
-    <Data/>
-    <Filter/>
-  </Receiver>
-  <Receiver>
-    <Name>Document ID Generator</Name>
-    <Synchronization>Synchronous</Synchronization>
-    <Type>10002</Type>
-    <SequenceNumber>1001</SequenceNumber>
-    <Url/>
-    <Assembly>Microsoft.Office.DocumentManagement, Version=15.0.0.0, Culture=neutral, PublicKeyToken=71e9bce111e9429c</Assembly>
-    <Class>Microsoft.Office.DocumentManagement.Internal.DocIdHandler</Class>
-    <Data/>
-    <Filter/>
-  </Receiver>
-  <Receiver>
-    <Name>Document ID Generator</Name>
-    <Synchronization>Synchronous</Synchronization>
-    <Type>10004</Type>
-    <SequenceNumber>1002</SequenceNumber>
-    <Url/>
-    <Assembly>Microsoft.Office.DocumentManagement, Version=15.0.0.0, Culture=neutral, PublicKeyToken=71e9bce111e9429c</Assembly>
-    <Class>Microsoft.Office.DocumentManagement.Internal.DocIdHandler</Class>
-    <Data/>
-    <Filter/>
-  </Receiver>
-  <Receiver>
-    <Name>Document ID Generator</Name>
-    <Synchronization>Synchronous</Synchronization>
-    <Type>10006</Type>
-    <SequenceNumber>1003</SequenceNumber>
-    <Url/>
-    <Assembly>Microsoft.Office.DocumentManagement, Version=15.0.0.0, Culture=neutral, PublicKeyToken=71e9bce111e9429c</Assembly>
-    <Class>Microsoft.Office.DocumentManagement.Internal.DocIdHandler</Class>
-    <Data/>
-    <Filter/>
-  </Receiver>
-</spe:Receivers>
-</file>
-
-<file path=customXml/item5.xml><?xml version="1.0" encoding="utf-8"?>
-<?mso-contentType ?>
-<customXsn xmlns="http://schemas.microsoft.com/office/2006/metadata/customXsn">
-  <xsnLocation/>
-  <cached>True</cached>
-  <openByDefault>True</openByDefault>
-  <xsnScope/>
-</customXsn>
-</file>
-
 <file path=customXml/itemProps1.xml><?xml version="1.0" encoding="utf-8"?>
 <ds:datastoreItem xmlns:ds="http://schemas.openxmlformats.org/officeDocument/2006/customXml" ds:itemID="{29940796-2B28-46D6-A019-405D01B8DF60}">
   <ds:schemaRefs>
@@ -11049,6 +11060,30 @@
 </file>
 
 <file path=customXml/itemProps2.xml><?xml version="1.0" encoding="utf-8"?>
+<ds:datastoreItem xmlns:ds="http://schemas.openxmlformats.org/officeDocument/2006/customXml" ds:itemID="{783BD3D0-EE3E-4A15-8667-6519756E537D}">
+  <ds:schemaRefs>
+    <ds:schemaRef ds:uri="http://schemas.microsoft.com/office/2006/metadata/customXsn"/>
+  </ds:schemaRefs>
+</ds:datastoreItem>
+</file>
+
+<file path=customXml/itemProps3.xml><?xml version="1.0" encoding="utf-8"?>
+<ds:datastoreItem xmlns:ds="http://schemas.openxmlformats.org/officeDocument/2006/customXml" ds:itemID="{0783E0A9-D953-4B7B-BC87-E5F4BA76F061}">
+  <ds:schemaRefs>
+    <ds:schemaRef ds:uri="http://schemas.microsoft.com/sharepoint/events"/>
+  </ds:schemaRefs>
+</ds:datastoreItem>
+</file>
+
+<file path=customXml/itemProps4.xml><?xml version="1.0" encoding="utf-8"?>
+<ds:datastoreItem xmlns:ds="http://schemas.openxmlformats.org/officeDocument/2006/customXml" ds:itemID="{933AE78F-1762-4C8A-B000-A5B2FC0C6AC7}">
+  <ds:schemaRefs>
+    <ds:schemaRef ds:uri="http://schemas.microsoft.com/sharepoint/v3/contenttype/forms"/>
+  </ds:schemaRefs>
+</ds:datastoreItem>
+</file>
+
+<file path=customXml/itemProps5.xml><?xml version="1.0" encoding="utf-8"?>
 <ds:datastoreItem xmlns:ds="http://schemas.openxmlformats.org/officeDocument/2006/customXml" ds:itemID="{ECA8B933-44D9-4902-90F1-BC93213D16AC}">
   <ds:schemaRefs>
     <ds:schemaRef ds:uri="http://schemas.microsoft.com/office/2006/metadata/contentType"/>
@@ -11065,28 +11100,4 @@
     <ds:schemaRef ds:uri="http://schemas.microsoft.com/internal/obd"/>
   </ds:schemaRefs>
 </ds:datastoreItem>
-</file>
-
-<file path=customXml/itemProps3.xml><?xml version="1.0" encoding="utf-8"?>
-<ds:datastoreItem xmlns:ds="http://schemas.openxmlformats.org/officeDocument/2006/customXml" ds:itemID="{933AE78F-1762-4C8A-B000-A5B2FC0C6AC7}">
-  <ds:schemaRefs>
-    <ds:schemaRef ds:uri="http://schemas.microsoft.com/sharepoint/v3/contenttype/forms"/>
-  </ds:schemaRefs>
-</ds:datastoreItem>
-</file>
-
-<file path=customXml/itemProps4.xml><?xml version="1.0" encoding="utf-8"?>
-<ds:datastoreItem xmlns:ds="http://schemas.openxmlformats.org/officeDocument/2006/customXml" ds:itemID="{0783E0A9-D953-4B7B-BC87-E5F4BA76F061}">
-  <ds:schemaRefs>
-    <ds:schemaRef ds:uri="http://schemas.microsoft.com/sharepoint/events"/>
-  </ds:schemaRefs>
-</ds:datastoreItem>
-</file>
-
-<file path=customXml/itemProps5.xml><?xml version="1.0" encoding="utf-8"?>
-<ds:datastoreItem xmlns:ds="http://schemas.openxmlformats.org/officeDocument/2006/customXml" ds:itemID="{783BD3D0-EE3E-4A15-8667-6519756E537D}">
-  <ds:schemaRefs>
-    <ds:schemaRef ds:uri="http://schemas.microsoft.com/office/2006/metadata/customXsn"/>
-  </ds:schemaRefs>
-</ds:datastoreItem>
 </file>
--- a/Präsentationen/StatusupdateKW23/UpdateKW23.pptx
+++ b/Präsentationen/StatusupdateKW23/UpdateKW23.pptx
@@ -3761,7 +3761,7 @@
           <a:graphicData uri="http://schemas.openxmlformats.org/presentationml/2006/ole">
             <mc:AlternateContent xmlns:mc="http://schemas.openxmlformats.org/markup-compatibility/2006">
               <mc:Choice xmlns:v="urn:schemas-microsoft-com:vml" Requires="v">
-                <p:oleObj spid="_x0000_s11332" name="think-cell Folie" r:id="rId4" imgW="270" imgH="270" progId="TCLayout.ActiveDocument.1">
+                <p:oleObj spid="_x0000_s11334" name="think-cell Folie" r:id="rId4" imgW="270" imgH="270" progId="TCLayout.ActiveDocument.1">
                   <p:embed/>
                 </p:oleObj>
               </mc:Choice>
@@ -6489,7 +6489,7 @@
           <a:graphicData uri="http://schemas.openxmlformats.org/presentationml/2006/ole">
             <mc:AlternateContent xmlns:mc="http://schemas.openxmlformats.org/markup-compatibility/2006">
               <mc:Choice xmlns:v="urn:schemas-microsoft-com:vml" Requires="v">
-                <p:oleObj spid="_x0000_s12356" name="think-cell Folie" r:id="rId4" imgW="270" imgH="270" progId="TCLayout.ActiveDocument.1">
+                <p:oleObj spid="_x0000_s12358" name="think-cell Folie" r:id="rId4" imgW="270" imgH="270" progId="TCLayout.ActiveDocument.1">
                   <p:embed/>
                 </p:oleObj>
               </mc:Choice>
@@ -9867,9 +9867,6 @@
           <a:p>
             <a:endParaRPr lang="de-DE" dirty="0"/>
           </a:p>
-          <a:p>
-            <a:endParaRPr lang="de-DE" dirty="0"/>
-          </a:p>
         </p:txBody>
       </p:sp>
     </p:spTree>
@@ -10728,6 +10725,16 @@
 </file>
 
 <file path=customXml/item1.xml><?xml version="1.0" encoding="utf-8"?>
+<?mso-contentType ?>
+<customXsn xmlns="http://schemas.microsoft.com/office/2006/metadata/customXsn">
+  <xsnLocation/>
+  <cached>True</cached>
+  <openByDefault>True</openByDefault>
+  <xsnScope/>
+</customXsn>
+</file>
+
+<file path=customXml/item2.xml><?xml version="1.0" encoding="utf-8"?>
 <p:properties xmlns:p="http://schemas.microsoft.com/office/2006/metadata/properties" xmlns:xsi="http://www.w3.org/2001/XMLSchema-instance" xmlns:pc="http://schemas.microsoft.com/office/infopath/2007/PartnerControls">
   <documentManagement>
     <n472ea6ee43248479fb8bd9165cf026a xmlns="b85a9d60-6535-41ad-bf5c-23a8b594cd63">
@@ -10759,76 +10766,7 @@
 </p:properties>
 </file>
 
-<file path=customXml/item2.xml><?xml version="1.0" encoding="utf-8"?>
-<?mso-contentType ?>
-<customXsn xmlns="http://schemas.microsoft.com/office/2006/metadata/customXsn">
-  <xsnLocation/>
-  <cached>True</cached>
-  <openByDefault>True</openByDefault>
-  <xsnScope/>
-</customXsn>
-</file>
-
 <file path=customXml/item3.xml><?xml version="1.0" encoding="utf-8"?>
-<?mso-contentType ?>
-<spe:Receivers xmlns:spe="http://schemas.microsoft.com/sharepoint/events">
-  <Receiver>
-    <Name>Document ID Generator</Name>
-    <Synchronization>Synchronous</Synchronization>
-    <Type>10001</Type>
-    <SequenceNumber>1000</SequenceNumber>
-    <Url/>
-    <Assembly>Microsoft.Office.DocumentManagement, Version=15.0.0.0, Culture=neutral, PublicKeyToken=71e9bce111e9429c</Assembly>
-    <Class>Microsoft.Office.DocumentManagement.Internal.DocIdHandler</Class>
-    <Data/>
-    <Filter/>
-  </Receiver>
-  <Receiver>
-    <Name>Document ID Generator</Name>
-    <Synchronization>Synchronous</Synchronization>
-    <Type>10002</Type>
-    <SequenceNumber>1001</SequenceNumber>
-    <Url/>
-    <Assembly>Microsoft.Office.DocumentManagement, Version=15.0.0.0, Culture=neutral, PublicKeyToken=71e9bce111e9429c</Assembly>
-    <Class>Microsoft.Office.DocumentManagement.Internal.DocIdHandler</Class>
-    <Data/>
-    <Filter/>
-  </Receiver>
-  <Receiver>
-    <Name>Document ID Generator</Name>
-    <Synchronization>Synchronous</Synchronization>
-    <Type>10004</Type>
-    <SequenceNumber>1002</SequenceNumber>
-    <Url/>
-    <Assembly>Microsoft.Office.DocumentManagement, Version=15.0.0.0, Culture=neutral, PublicKeyToken=71e9bce111e9429c</Assembly>
-    <Class>Microsoft.Office.DocumentManagement.Internal.DocIdHandler</Class>
-    <Data/>
-    <Filter/>
-  </Receiver>
-  <Receiver>
-    <Name>Document ID Generator</Name>
-    <Synchronization>Synchronous</Synchronization>
-    <Type>10006</Type>
-    <SequenceNumber>1003</SequenceNumber>
-    <Url/>
-    <Assembly>Microsoft.Office.DocumentManagement, Version=15.0.0.0, Culture=neutral, PublicKeyToken=71e9bce111e9429c</Assembly>
-    <Class>Microsoft.Office.DocumentManagement.Internal.DocIdHandler</Class>
-    <Data/>
-    <Filter/>
-  </Receiver>
-</spe:Receivers>
-</file>
-
-<file path=customXml/item4.xml><?xml version="1.0" encoding="utf-8"?>
-<?mso-contentType ?>
-<FormTemplates xmlns="http://schemas.microsoft.com/sharepoint/v3/contenttype/forms">
-  <Display>DocumentLibraryForm</Display>
-  <Edit>DocumentLibraryForm</Edit>
-  <New>DocumentLibraryForm</New>
-</FormTemplates>
-</file>
-
-<file path=customXml/item5.xml><?xml version="1.0" encoding="utf-8"?>
 <ct:contentTypeSchema xmlns:ct="http://schemas.microsoft.com/office/2006/metadata/contentType" xmlns:ma="http://schemas.microsoft.com/office/2006/metadata/properties/metaAttributes" ct:_="" ma:_="" ma:contentTypeName="Dokument" ma:contentTypeID="0x010100ABBD9003812289408EA7333BCACF44FC" ma:contentTypeVersion="12" ma:contentTypeDescription="Ein neues Dokument erstellen." ma:contentTypeScope="" ma:versionID="0c5c1046a88a933084f5a8197ebf6a23">
   <xsd:schema xmlns:xsd="http://www.w3.org/2001/XMLSchema" xmlns:xs="http://www.w3.org/2001/XMLSchema" xmlns:p="http://schemas.microsoft.com/office/2006/metadata/properties" xmlns:ns2="b85a9d60-6535-41ad-bf5c-23a8b594cd63" xmlns:ns3="ed5c7061-1de8-4387-89c6-d21a66c01b33" targetNamespace="http://schemas.microsoft.com/office/2006/metadata/properties" ma:root="true" ma:fieldsID="f2895043163c27cc329504fc8636e150" ns2:_="" ns3:_="">
     <xsd:import namespace="b85a9d60-6535-41ad-bf5c-23a8b594cd63"/>
@@ -11042,7 +10980,74 @@
 </ct:contentTypeSchema>
 </file>
 
+<file path=customXml/item4.xml><?xml version="1.0" encoding="utf-8"?>
+<?mso-contentType ?>
+<FormTemplates xmlns="http://schemas.microsoft.com/sharepoint/v3/contenttype/forms">
+  <Display>DocumentLibraryForm</Display>
+  <Edit>DocumentLibraryForm</Edit>
+  <New>DocumentLibraryForm</New>
+</FormTemplates>
+</file>
+
+<file path=customXml/item5.xml><?xml version="1.0" encoding="utf-8"?>
+<?mso-contentType ?>
+<spe:Receivers xmlns:spe="http://schemas.microsoft.com/sharepoint/events">
+  <Receiver>
+    <Name>Document ID Generator</Name>
+    <Synchronization>Synchronous</Synchronization>
+    <Type>10001</Type>
+    <SequenceNumber>1000</SequenceNumber>
+    <Url/>
+    <Assembly>Microsoft.Office.DocumentManagement, Version=15.0.0.0, Culture=neutral, PublicKeyToken=71e9bce111e9429c</Assembly>
+    <Class>Microsoft.Office.DocumentManagement.Internal.DocIdHandler</Class>
+    <Data/>
+    <Filter/>
+  </Receiver>
+  <Receiver>
+    <Name>Document ID Generator</Name>
+    <Synchronization>Synchronous</Synchronization>
+    <Type>10002</Type>
+    <SequenceNumber>1001</SequenceNumber>
+    <Url/>
+    <Assembly>Microsoft.Office.DocumentManagement, Version=15.0.0.0, Culture=neutral, PublicKeyToken=71e9bce111e9429c</Assembly>
+    <Class>Microsoft.Office.DocumentManagement.Internal.DocIdHandler</Class>
+    <Data/>
+    <Filter/>
+  </Receiver>
+  <Receiver>
+    <Name>Document ID Generator</Name>
+    <Synchronization>Synchronous</Synchronization>
+    <Type>10004</Type>
+    <SequenceNumber>1002</SequenceNumber>
+    <Url/>
+    <Assembly>Microsoft.Office.DocumentManagement, Version=15.0.0.0, Culture=neutral, PublicKeyToken=71e9bce111e9429c</Assembly>
+    <Class>Microsoft.Office.DocumentManagement.Internal.DocIdHandler</Class>
+    <Data/>
+    <Filter/>
+  </Receiver>
+  <Receiver>
+    <Name>Document ID Generator</Name>
+    <Synchronization>Synchronous</Synchronization>
+    <Type>10006</Type>
+    <SequenceNumber>1003</SequenceNumber>
+    <Url/>
+    <Assembly>Microsoft.Office.DocumentManagement, Version=15.0.0.0, Culture=neutral, PublicKeyToken=71e9bce111e9429c</Assembly>
+    <Class>Microsoft.Office.DocumentManagement.Internal.DocIdHandler</Class>
+    <Data/>
+    <Filter/>
+  </Receiver>
+</spe:Receivers>
+</file>
+
 <file path=customXml/itemProps1.xml><?xml version="1.0" encoding="utf-8"?>
+<ds:datastoreItem xmlns:ds="http://schemas.openxmlformats.org/officeDocument/2006/customXml" ds:itemID="{783BD3D0-EE3E-4A15-8667-6519756E537D}">
+  <ds:schemaRefs>
+    <ds:schemaRef ds:uri="http://schemas.microsoft.com/office/2006/metadata/customXsn"/>
+  </ds:schemaRefs>
+</ds:datastoreItem>
+</file>
+
+<file path=customXml/itemProps2.xml><?xml version="1.0" encoding="utf-8"?>
 <ds:datastoreItem xmlns:ds="http://schemas.openxmlformats.org/officeDocument/2006/customXml" ds:itemID="{29940796-2B28-46D6-A019-405D01B8DF60}">
   <ds:schemaRefs>
     <ds:schemaRef ds:uri="http://purl.org/dc/terms/"/>
@@ -11059,31 +11064,7 @@
 </ds:datastoreItem>
 </file>
 
-<file path=customXml/itemProps2.xml><?xml version="1.0" encoding="utf-8"?>
-<ds:datastoreItem xmlns:ds="http://schemas.openxmlformats.org/officeDocument/2006/customXml" ds:itemID="{783BD3D0-EE3E-4A15-8667-6519756E537D}">
-  <ds:schemaRefs>
-    <ds:schemaRef ds:uri="http://schemas.microsoft.com/office/2006/metadata/customXsn"/>
-  </ds:schemaRefs>
-</ds:datastoreItem>
-</file>
-
 <file path=customXml/itemProps3.xml><?xml version="1.0" encoding="utf-8"?>
-<ds:datastoreItem xmlns:ds="http://schemas.openxmlformats.org/officeDocument/2006/customXml" ds:itemID="{0783E0A9-D953-4B7B-BC87-E5F4BA76F061}">
-  <ds:schemaRefs>
-    <ds:schemaRef ds:uri="http://schemas.microsoft.com/sharepoint/events"/>
-  </ds:schemaRefs>
-</ds:datastoreItem>
-</file>
-
-<file path=customXml/itemProps4.xml><?xml version="1.0" encoding="utf-8"?>
-<ds:datastoreItem xmlns:ds="http://schemas.openxmlformats.org/officeDocument/2006/customXml" ds:itemID="{933AE78F-1762-4C8A-B000-A5B2FC0C6AC7}">
-  <ds:schemaRefs>
-    <ds:schemaRef ds:uri="http://schemas.microsoft.com/sharepoint/v3/contenttype/forms"/>
-  </ds:schemaRefs>
-</ds:datastoreItem>
-</file>
-
-<file path=customXml/itemProps5.xml><?xml version="1.0" encoding="utf-8"?>
 <ds:datastoreItem xmlns:ds="http://schemas.openxmlformats.org/officeDocument/2006/customXml" ds:itemID="{ECA8B933-44D9-4902-90F1-BC93213D16AC}">
   <ds:schemaRefs>
     <ds:schemaRef ds:uri="http://schemas.microsoft.com/office/2006/metadata/contentType"/>
@@ -11100,4 +11081,20 @@
     <ds:schemaRef ds:uri="http://schemas.microsoft.com/internal/obd"/>
   </ds:schemaRefs>
 </ds:datastoreItem>
+</file>
+
+<file path=customXml/itemProps4.xml><?xml version="1.0" encoding="utf-8"?>
+<ds:datastoreItem xmlns:ds="http://schemas.openxmlformats.org/officeDocument/2006/customXml" ds:itemID="{933AE78F-1762-4C8A-B000-A5B2FC0C6AC7}">
+  <ds:schemaRefs>
+    <ds:schemaRef ds:uri="http://schemas.microsoft.com/sharepoint/v3/contenttype/forms"/>
+  </ds:schemaRefs>
+</ds:datastoreItem>
+</file>
+
+<file path=customXml/itemProps5.xml><?xml version="1.0" encoding="utf-8"?>
+<ds:datastoreItem xmlns:ds="http://schemas.openxmlformats.org/officeDocument/2006/customXml" ds:itemID="{0783E0A9-D953-4B7B-BC87-E5F4BA76F061}">
+  <ds:schemaRefs>
+    <ds:schemaRef ds:uri="http://schemas.microsoft.com/sharepoint/events"/>
+  </ds:schemaRefs>
+</ds:datastoreItem>
 </file>